--- a/design/app.pptx
+++ b/design/app.pptx
@@ -4,9 +4,16 @@
   <p:sldMasterIdLst>
     <p:sldMasterId id="2147483660" r:id="rId1"/>
   </p:sldMasterIdLst>
+  <p:notesMasterIdLst>
+    <p:notesMasterId r:id="rId8"/>
+  </p:notesMasterIdLst>
   <p:sldIdLst>
-    <p:sldId id="256" r:id="rId2"/>
-    <p:sldId id="257" r:id="rId3"/>
+    <p:sldId id="258" r:id="rId2"/>
+    <p:sldId id="259" r:id="rId3"/>
+    <p:sldId id="262" r:id="rId4"/>
+    <p:sldId id="261" r:id="rId5"/>
+    <p:sldId id="260" r:id="rId6"/>
+    <p:sldId id="263" r:id="rId7"/>
   </p:sldIdLst>
   <p:sldSz cx="6858000" cy="12192000"/>
   <p:notesSz cx="6858000" cy="9144000"/>
@@ -105,7 +112,362 @@
       </a:defRPr>
     </a:lvl9pPr>
   </p:defaultTextStyle>
+  <p:extLst>
+    <p:ext uri="{EFAFB233-063F-42B5-8137-9DF3F51BA10A}">
+      <p15:sldGuideLst xmlns:p15="http://schemas.microsoft.com/office/powerpoint/2012/main"/>
+    </p:ext>
+  </p:extLst>
 </p:presentation>
+</file>
+
+<file path=ppt/notesMasters/notesMaster1.xml><?xml version="1.0" encoding="utf-8"?>
+<p:notesMaster xmlns:a="http://schemas.openxmlformats.org/drawingml/2006/main" xmlns:r="http://schemas.openxmlformats.org/officeDocument/2006/relationships" xmlns:p="http://schemas.openxmlformats.org/presentationml/2006/main">
+  <p:cSld>
+    <p:bg>
+      <p:bgRef idx="1001">
+        <a:schemeClr val="bg1"/>
+      </p:bgRef>
+    </p:bg>
+    <p:spTree>
+      <p:nvGrpSpPr>
+        <p:cNvPr id="1" name=""/>
+        <p:cNvGrpSpPr/>
+        <p:nvPr/>
+      </p:nvGrpSpPr>
+      <p:grpSpPr>
+        <a:xfrm>
+          <a:off x="0" y="0"/>
+          <a:ext cx="0" cy="0"/>
+          <a:chOff x="0" y="0"/>
+          <a:chExt cx="0" cy="0"/>
+        </a:xfrm>
+      </p:grpSpPr>
+      <p:sp>
+        <p:nvSpPr>
+          <p:cNvPr id="2" name="Header Placeholder 1"/>
+          <p:cNvSpPr>
+            <a:spLocks noGrp="1"/>
+          </p:cNvSpPr>
+          <p:nvPr>
+            <p:ph type="hdr" sz="quarter"/>
+          </p:nvPr>
+        </p:nvSpPr>
+        <p:spPr>
+          <a:xfrm>
+            <a:off x="0" y="0"/>
+            <a:ext cx="2971800" cy="458788"/>
+          </a:xfrm>
+          <a:prstGeom prst="rect">
+            <a:avLst/>
+          </a:prstGeom>
+        </p:spPr>
+        <p:txBody>
+          <a:bodyPr vert="horz" lIns="91440" tIns="45720" rIns="91440" bIns="45720" rtlCol="0"/>
+          <a:lstStyle>
+            <a:lvl1pPr algn="l">
+              <a:defRPr sz="1200"/>
+            </a:lvl1pPr>
+          </a:lstStyle>
+          <a:p>
+            <a:endParaRPr lang="en-US"/>
+          </a:p>
+        </p:txBody>
+      </p:sp>
+      <p:sp>
+        <p:nvSpPr>
+          <p:cNvPr id="3" name="Date Placeholder 2"/>
+          <p:cNvSpPr>
+            <a:spLocks noGrp="1"/>
+          </p:cNvSpPr>
+          <p:nvPr>
+            <p:ph type="dt" idx="1"/>
+          </p:nvPr>
+        </p:nvSpPr>
+        <p:spPr>
+          <a:xfrm>
+            <a:off x="3884613" y="0"/>
+            <a:ext cx="2971800" cy="458788"/>
+          </a:xfrm>
+          <a:prstGeom prst="rect">
+            <a:avLst/>
+          </a:prstGeom>
+        </p:spPr>
+        <p:txBody>
+          <a:bodyPr vert="horz" lIns="91440" tIns="45720" rIns="91440" bIns="45720" rtlCol="0"/>
+          <a:lstStyle>
+            <a:lvl1pPr algn="r">
+              <a:defRPr sz="1200"/>
+            </a:lvl1pPr>
+          </a:lstStyle>
+          <a:p>
+            <a:fld id="{59730205-E500-4A41-A338-E65229C5A7AA}" type="datetimeFigureOut">
+              <a:rPr lang="en-US" smtClean="0"/>
+              <a:t>11-Feb-17</a:t>
+            </a:fld>
+            <a:endParaRPr lang="en-US"/>
+          </a:p>
+        </p:txBody>
+      </p:sp>
+      <p:sp>
+        <p:nvSpPr>
+          <p:cNvPr id="4" name="Slide Image Placeholder 3"/>
+          <p:cNvSpPr>
+            <a:spLocks noGrp="1" noRot="1" noChangeAspect="1"/>
+          </p:cNvSpPr>
+          <p:nvPr>
+            <p:ph type="sldImg" idx="2"/>
+          </p:nvPr>
+        </p:nvSpPr>
+        <p:spPr>
+          <a:xfrm>
+            <a:off x="2560638" y="1143000"/>
+            <a:ext cx="1736725" cy="3086100"/>
+          </a:xfrm>
+          <a:prstGeom prst="rect">
+            <a:avLst/>
+          </a:prstGeom>
+          <a:noFill/>
+          <a:ln w="12700">
+            <a:solidFill>
+              <a:prstClr val="black"/>
+            </a:solidFill>
+          </a:ln>
+        </p:spPr>
+        <p:txBody>
+          <a:bodyPr vert="horz" lIns="91440" tIns="45720" rIns="91440" bIns="45720" rtlCol="0" anchor="ctr"/>
+          <a:lstStyle/>
+          <a:p>
+            <a:endParaRPr lang="en-US"/>
+          </a:p>
+        </p:txBody>
+      </p:sp>
+      <p:sp>
+        <p:nvSpPr>
+          <p:cNvPr id="5" name="Notes Placeholder 4"/>
+          <p:cNvSpPr>
+            <a:spLocks noGrp="1"/>
+          </p:cNvSpPr>
+          <p:nvPr>
+            <p:ph type="body" sz="quarter" idx="3"/>
+          </p:nvPr>
+        </p:nvSpPr>
+        <p:spPr>
+          <a:xfrm>
+            <a:off x="685800" y="4400550"/>
+            <a:ext cx="5486400" cy="3600450"/>
+          </a:xfrm>
+          <a:prstGeom prst="rect">
+            <a:avLst/>
+          </a:prstGeom>
+        </p:spPr>
+        <p:txBody>
+          <a:bodyPr vert="horz" lIns="91440" tIns="45720" rIns="91440" bIns="45720" rtlCol="0"/>
+          <a:lstStyle/>
+          <a:p>
+            <a:pPr lvl="0"/>
+            <a:r>
+              <a:rPr lang="en-US"/>
+              <a:t>Edit Master text styles</a:t>
+            </a:r>
+          </a:p>
+          <a:p>
+            <a:pPr lvl="1"/>
+            <a:r>
+              <a:rPr lang="en-US"/>
+              <a:t>Second level</a:t>
+            </a:r>
+          </a:p>
+          <a:p>
+            <a:pPr lvl="2"/>
+            <a:r>
+              <a:rPr lang="en-US"/>
+              <a:t>Third level</a:t>
+            </a:r>
+          </a:p>
+          <a:p>
+            <a:pPr lvl="3"/>
+            <a:r>
+              <a:rPr lang="en-US"/>
+              <a:t>Fourth level</a:t>
+            </a:r>
+          </a:p>
+          <a:p>
+            <a:pPr lvl="4"/>
+            <a:r>
+              <a:rPr lang="en-US"/>
+              <a:t>Fifth level</a:t>
+            </a:r>
+            <a:endParaRPr lang="en-US"/>
+          </a:p>
+        </p:txBody>
+      </p:sp>
+      <p:sp>
+        <p:nvSpPr>
+          <p:cNvPr id="6" name="Footer Placeholder 5"/>
+          <p:cNvSpPr>
+            <a:spLocks noGrp="1"/>
+          </p:cNvSpPr>
+          <p:nvPr>
+            <p:ph type="ftr" sz="quarter" idx="4"/>
+          </p:nvPr>
+        </p:nvSpPr>
+        <p:spPr>
+          <a:xfrm>
+            <a:off x="0" y="8685213"/>
+            <a:ext cx="2971800" cy="458787"/>
+          </a:xfrm>
+          <a:prstGeom prst="rect">
+            <a:avLst/>
+          </a:prstGeom>
+        </p:spPr>
+        <p:txBody>
+          <a:bodyPr vert="horz" lIns="91440" tIns="45720" rIns="91440" bIns="45720" rtlCol="0" anchor="b"/>
+          <a:lstStyle>
+            <a:lvl1pPr algn="l">
+              <a:defRPr sz="1200"/>
+            </a:lvl1pPr>
+          </a:lstStyle>
+          <a:p>
+            <a:endParaRPr lang="en-US"/>
+          </a:p>
+        </p:txBody>
+      </p:sp>
+      <p:sp>
+        <p:nvSpPr>
+          <p:cNvPr id="7" name="Slide Number Placeholder 6"/>
+          <p:cNvSpPr>
+            <a:spLocks noGrp="1"/>
+          </p:cNvSpPr>
+          <p:nvPr>
+            <p:ph type="sldNum" sz="quarter" idx="5"/>
+          </p:nvPr>
+        </p:nvSpPr>
+        <p:spPr>
+          <a:xfrm>
+            <a:off x="3884613" y="8685213"/>
+            <a:ext cx="2971800" cy="458787"/>
+          </a:xfrm>
+          <a:prstGeom prst="rect">
+            <a:avLst/>
+          </a:prstGeom>
+        </p:spPr>
+        <p:txBody>
+          <a:bodyPr vert="horz" lIns="91440" tIns="45720" rIns="91440" bIns="45720" rtlCol="0" anchor="b"/>
+          <a:lstStyle>
+            <a:lvl1pPr algn="r">
+              <a:defRPr sz="1200"/>
+            </a:lvl1pPr>
+          </a:lstStyle>
+          <a:p>
+            <a:fld id="{B1A5F351-6972-4C18-BAFD-20A5C99935F0}" type="slidenum">
+              <a:rPr lang="en-US" smtClean="0"/>
+              <a:t>‹#›</a:t>
+            </a:fld>
+            <a:endParaRPr lang="en-US"/>
+          </a:p>
+        </p:txBody>
+      </p:sp>
+    </p:spTree>
+    <p:extLst>
+      <p:ext uri="{BB962C8B-B14F-4D97-AF65-F5344CB8AC3E}">
+        <p14:creationId xmlns:p14="http://schemas.microsoft.com/office/powerpoint/2010/main" val="2127085145"/>
+      </p:ext>
+    </p:extLst>
+  </p:cSld>
+  <p:clrMap bg1="lt1" tx1="dk1" bg2="lt2" tx2="dk2" accent1="accent1" accent2="accent2" accent3="accent3" accent4="accent4" accent5="accent5" accent6="accent6" hlink="hlink" folHlink="folHlink"/>
+  <p:notesStyle>
+    <a:lvl1pPr marL="0" algn="l" defTabSz="914400" rtl="0" eaLnBrk="1" latinLnBrk="0" hangingPunct="1">
+      <a:defRPr sz="1200" kern="1200">
+        <a:solidFill>
+          <a:schemeClr val="tx1"/>
+        </a:solidFill>
+        <a:latin typeface="+mn-lt"/>
+        <a:ea typeface="+mn-ea"/>
+        <a:cs typeface="+mn-cs"/>
+      </a:defRPr>
+    </a:lvl1pPr>
+    <a:lvl2pPr marL="457200" algn="l" defTabSz="914400" rtl="0" eaLnBrk="1" latinLnBrk="0" hangingPunct="1">
+      <a:defRPr sz="1200" kern="1200">
+        <a:solidFill>
+          <a:schemeClr val="tx1"/>
+        </a:solidFill>
+        <a:latin typeface="+mn-lt"/>
+        <a:ea typeface="+mn-ea"/>
+        <a:cs typeface="+mn-cs"/>
+      </a:defRPr>
+    </a:lvl2pPr>
+    <a:lvl3pPr marL="914400" algn="l" defTabSz="914400" rtl="0" eaLnBrk="1" latinLnBrk="0" hangingPunct="1">
+      <a:defRPr sz="1200" kern="1200">
+        <a:solidFill>
+          <a:schemeClr val="tx1"/>
+        </a:solidFill>
+        <a:latin typeface="+mn-lt"/>
+        <a:ea typeface="+mn-ea"/>
+        <a:cs typeface="+mn-cs"/>
+      </a:defRPr>
+    </a:lvl3pPr>
+    <a:lvl4pPr marL="1371600" algn="l" defTabSz="914400" rtl="0" eaLnBrk="1" latinLnBrk="0" hangingPunct="1">
+      <a:defRPr sz="1200" kern="1200">
+        <a:solidFill>
+          <a:schemeClr val="tx1"/>
+        </a:solidFill>
+        <a:latin typeface="+mn-lt"/>
+        <a:ea typeface="+mn-ea"/>
+        <a:cs typeface="+mn-cs"/>
+      </a:defRPr>
+    </a:lvl4pPr>
+    <a:lvl5pPr marL="1828800" algn="l" defTabSz="914400" rtl="0" eaLnBrk="1" latinLnBrk="0" hangingPunct="1">
+      <a:defRPr sz="1200" kern="1200">
+        <a:solidFill>
+          <a:schemeClr val="tx1"/>
+        </a:solidFill>
+        <a:latin typeface="+mn-lt"/>
+        <a:ea typeface="+mn-ea"/>
+        <a:cs typeface="+mn-cs"/>
+      </a:defRPr>
+    </a:lvl5pPr>
+    <a:lvl6pPr marL="2286000" algn="l" defTabSz="914400" rtl="0" eaLnBrk="1" latinLnBrk="0" hangingPunct="1">
+      <a:defRPr sz="1200" kern="1200">
+        <a:solidFill>
+          <a:schemeClr val="tx1"/>
+        </a:solidFill>
+        <a:latin typeface="+mn-lt"/>
+        <a:ea typeface="+mn-ea"/>
+        <a:cs typeface="+mn-cs"/>
+      </a:defRPr>
+    </a:lvl6pPr>
+    <a:lvl7pPr marL="2743200" algn="l" defTabSz="914400" rtl="0" eaLnBrk="1" latinLnBrk="0" hangingPunct="1">
+      <a:defRPr sz="1200" kern="1200">
+        <a:solidFill>
+          <a:schemeClr val="tx1"/>
+        </a:solidFill>
+        <a:latin typeface="+mn-lt"/>
+        <a:ea typeface="+mn-ea"/>
+        <a:cs typeface="+mn-cs"/>
+      </a:defRPr>
+    </a:lvl7pPr>
+    <a:lvl8pPr marL="3200400" algn="l" defTabSz="914400" rtl="0" eaLnBrk="1" latinLnBrk="0" hangingPunct="1">
+      <a:defRPr sz="1200" kern="1200">
+        <a:solidFill>
+          <a:schemeClr val="tx1"/>
+        </a:solidFill>
+        <a:latin typeface="+mn-lt"/>
+        <a:ea typeface="+mn-ea"/>
+        <a:cs typeface="+mn-cs"/>
+      </a:defRPr>
+    </a:lvl8pPr>
+    <a:lvl9pPr marL="3657600" algn="l" defTabSz="914400" rtl="0" eaLnBrk="1" latinLnBrk="0" hangingPunct="1">
+      <a:defRPr sz="1200" kern="1200">
+        <a:solidFill>
+          <a:schemeClr val="tx1"/>
+        </a:solidFill>
+        <a:latin typeface="+mn-lt"/>
+        <a:ea typeface="+mn-ea"/>
+        <a:cs typeface="+mn-cs"/>
+      </a:defRPr>
+    </a:lvl9pPr>
+  </p:notesStyle>
+</p:notesMaster>
 </file>
 
 <file path=ppt/slideLayouts/slideLayout1.xml><?xml version="1.0" encoding="utf-8"?>
@@ -2969,14 +3331,14 @@
       </p:grpSpPr>
       <p:sp>
         <p:nvSpPr>
-          <p:cNvPr id="4" name="TextBox 3"/>
+          <p:cNvPr id="5" name="TextBox 4"/>
           <p:cNvSpPr txBox="1"/>
           <p:nvPr/>
         </p:nvSpPr>
         <p:spPr>
           <a:xfrm>
-            <a:off x="2286780" y="6723529"/>
-            <a:ext cx="2271712" cy="661720"/>
+            <a:off x="1796765" y="2059139"/>
+            <a:ext cx="2883353" cy="707886"/>
           </a:xfrm>
           <a:prstGeom prst="rect">
             <a:avLst/>
@@ -2990,22 +3352,22 @@
           <a:lstStyle/>
           <a:p>
             <a:r>
-              <a:rPr lang="en-US" sz="3700" dirty="0"/>
-              <a:t>You are a…</a:t>
-            </a:r>
-          </a:p>
-        </p:txBody>
-      </p:sp>
-      <p:sp>
-        <p:nvSpPr>
-          <p:cNvPr id="5" name="TextBox 4"/>
+              <a:rPr lang="en-US" sz="4000" dirty="0"/>
+              <a:t>Personal info</a:t>
+            </a:r>
+          </a:p>
+        </p:txBody>
+      </p:sp>
+      <p:sp>
+        <p:nvSpPr>
+          <p:cNvPr id="6" name="TextBox 5"/>
           <p:cNvSpPr txBox="1"/>
           <p:nvPr/>
         </p:nvSpPr>
         <p:spPr>
           <a:xfrm>
-            <a:off x="624399" y="4898468"/>
-            <a:ext cx="5758115" cy="707886"/>
+            <a:off x="246843" y="4303180"/>
+            <a:ext cx="1305165" cy="553998"/>
           </a:xfrm>
           <a:prstGeom prst="rect">
             <a:avLst/>
@@ -3019,24 +3381,1559 @@
           <a:lstStyle/>
           <a:p>
             <a:r>
+              <a:rPr lang="en-US" sz="3000" dirty="0"/>
+              <a:t>Name: </a:t>
+            </a:r>
+          </a:p>
+        </p:txBody>
+      </p:sp>
+      <p:sp>
+        <p:nvSpPr>
+          <p:cNvPr id="7" name="TextBox 6"/>
+          <p:cNvSpPr txBox="1"/>
+          <p:nvPr/>
+        </p:nvSpPr>
+        <p:spPr>
+          <a:xfrm>
+            <a:off x="206261" y="4949511"/>
+            <a:ext cx="1940788" cy="553998"/>
+          </a:xfrm>
+          <a:prstGeom prst="rect">
+            <a:avLst/>
+          </a:prstGeom>
+          <a:noFill/>
+        </p:spPr>
+        <p:txBody>
+          <a:bodyPr wrap="none" rtlCol="0">
+            <a:spAutoFit/>
+          </a:bodyPr>
+          <a:lstStyle/>
+          <a:p>
+            <a:r>
+              <a:rPr lang="en-US" sz="3000" dirty="0"/>
+              <a:t>University: </a:t>
+            </a:r>
+          </a:p>
+        </p:txBody>
+      </p:sp>
+      <p:sp>
+        <p:nvSpPr>
+          <p:cNvPr id="8" name="TextBox 7"/>
+          <p:cNvSpPr txBox="1"/>
+          <p:nvPr/>
+        </p:nvSpPr>
+        <p:spPr>
+          <a:xfrm>
+            <a:off x="206261" y="5630644"/>
+            <a:ext cx="6651739" cy="1015663"/>
+          </a:xfrm>
+          <a:prstGeom prst="rect">
+            <a:avLst/>
+          </a:prstGeom>
+          <a:noFill/>
+        </p:spPr>
+        <p:txBody>
+          <a:bodyPr wrap="square" rtlCol="0">
+            <a:spAutoFit/>
+          </a:bodyPr>
+          <a:lstStyle/>
+          <a:p>
+            <a:r>
+              <a:rPr lang="en-US" sz="3000" dirty="0"/>
+              <a:t>Which programming languages are you interested in?</a:t>
+            </a:r>
+          </a:p>
+        </p:txBody>
+      </p:sp>
+      <p:sp>
+        <p:nvSpPr>
+          <p:cNvPr id="9" name="TextBox 8"/>
+          <p:cNvSpPr txBox="1"/>
+          <p:nvPr/>
+        </p:nvSpPr>
+        <p:spPr>
+          <a:xfrm>
+            <a:off x="346522" y="6781858"/>
+            <a:ext cx="5389630" cy="4401205"/>
+          </a:xfrm>
+          <a:prstGeom prst="rect">
+            <a:avLst/>
+          </a:prstGeom>
+          <a:noFill/>
+        </p:spPr>
+        <p:txBody>
+          <a:bodyPr wrap="square" rtlCol="0">
+            <a:spAutoFit/>
+          </a:bodyPr>
+          <a:lstStyle/>
+          <a:p>
+            <a:r>
+              <a:rPr lang="en-US" sz="2000" dirty="0"/>
+              <a:t>Tick boxes: </a:t>
+            </a:r>
+          </a:p>
+          <a:p>
+            <a:r>
+              <a:rPr lang="en-US" sz="2000" dirty="0"/>
+              <a:t>-    Java</a:t>
+            </a:r>
+          </a:p>
+          <a:p>
+            <a:pPr marL="285750" indent="-285750">
+              <a:buFontTx/>
+              <a:buChar char="-"/>
+            </a:pPr>
+            <a:r>
+              <a:rPr lang="en-US" sz="2000" dirty="0" err="1"/>
+              <a:t>Javascript</a:t>
+            </a:r>
+            <a:endParaRPr lang="en-US" sz="2000" dirty="0"/>
+          </a:p>
+          <a:p>
+            <a:pPr marL="285750" indent="-285750">
+              <a:buFontTx/>
+              <a:buChar char="-"/>
+            </a:pPr>
+            <a:r>
+              <a:rPr lang="en-US" sz="2000" dirty="0"/>
+              <a:t>SQL</a:t>
+            </a:r>
+          </a:p>
+          <a:p>
+            <a:pPr marL="285750" indent="-285750">
+              <a:buFontTx/>
+              <a:buChar char="-"/>
+            </a:pPr>
+            <a:r>
+              <a:rPr lang="en-US" sz="2000" dirty="0"/>
+              <a:t>PHP</a:t>
+            </a:r>
+          </a:p>
+          <a:p>
+            <a:pPr marL="285750" indent="-285750">
+              <a:buFontTx/>
+              <a:buChar char="-"/>
+            </a:pPr>
+            <a:r>
+              <a:rPr lang="en-US" sz="2000" dirty="0"/>
+              <a:t>C++</a:t>
+            </a:r>
+          </a:p>
+          <a:p>
+            <a:pPr marL="285750" indent="-285750">
+              <a:buFontTx/>
+              <a:buChar char="-"/>
+            </a:pPr>
+            <a:r>
+              <a:rPr lang="en-US" sz="2000" dirty="0"/>
+              <a:t>C#</a:t>
+            </a:r>
+          </a:p>
+          <a:p>
+            <a:pPr marL="285750" indent="-285750">
+              <a:buFontTx/>
+              <a:buChar char="-"/>
+            </a:pPr>
+            <a:r>
+              <a:rPr lang="en-US" sz="2000" dirty="0"/>
+              <a:t>C</a:t>
+            </a:r>
+          </a:p>
+          <a:p>
+            <a:pPr marL="285750" indent="-285750">
+              <a:buFontTx/>
+              <a:buChar char="-"/>
+            </a:pPr>
+            <a:r>
+              <a:rPr lang="en-US" sz="2000" dirty="0"/>
+              <a:t>Python</a:t>
+            </a:r>
+          </a:p>
+          <a:p>
+            <a:pPr marL="285750" indent="-285750">
+              <a:buFontTx/>
+              <a:buChar char="-"/>
+            </a:pPr>
+            <a:r>
+              <a:rPr lang="en-US" sz="2000" dirty="0"/>
+              <a:t>Ruby</a:t>
+            </a:r>
+          </a:p>
+          <a:p>
+            <a:r>
+              <a:rPr lang="en-US" sz="2000" dirty="0"/>
+              <a:t>*when you tick a box the level bar will appear:</a:t>
+            </a:r>
+          </a:p>
+          <a:p>
+            <a:pPr marL="285750" indent="-285750">
+              <a:buFontTx/>
+              <a:buChar char="-"/>
+            </a:pPr>
+            <a:endParaRPr lang="en-US" sz="2000" dirty="0"/>
+          </a:p>
+          <a:p>
+            <a:pPr marL="285750" indent="-285750">
+              <a:buFontTx/>
+              <a:buChar char="-"/>
+            </a:pPr>
+            <a:endParaRPr lang="en-US" sz="2000" dirty="0"/>
+          </a:p>
+          <a:p>
+            <a:pPr marL="285750" indent="-285750">
+              <a:buFontTx/>
+              <a:buChar char="-"/>
+            </a:pPr>
+            <a:endParaRPr lang="en-US" sz="2000" dirty="0"/>
+          </a:p>
+        </p:txBody>
+      </p:sp>
+      <p:sp>
+        <p:nvSpPr>
+          <p:cNvPr id="10" name="Rectangle 9"/>
+          <p:cNvSpPr/>
+          <p:nvPr/>
+        </p:nvSpPr>
+        <p:spPr>
+          <a:xfrm>
+            <a:off x="585927" y="10383647"/>
+            <a:ext cx="1471493" cy="319596"/>
+          </a:xfrm>
+          <a:prstGeom prst="rect">
+            <a:avLst/>
+          </a:prstGeom>
+          <a:noFill/>
+          <a:ln>
+            <a:solidFill>
+              <a:schemeClr val="accent1"/>
+            </a:solidFill>
+          </a:ln>
+        </p:spPr>
+        <p:style>
+          <a:lnRef idx="2">
+            <a:schemeClr val="accent1">
+              <a:shade val="50000"/>
+            </a:schemeClr>
+          </a:lnRef>
+          <a:fillRef idx="1">
+            <a:schemeClr val="accent1"/>
+          </a:fillRef>
+          <a:effectRef idx="0">
+            <a:schemeClr val="accent1"/>
+          </a:effectRef>
+          <a:fontRef idx="minor">
+            <a:schemeClr val="lt1"/>
+          </a:fontRef>
+        </p:style>
+        <p:txBody>
+          <a:bodyPr rtlCol="0" anchor="ctr"/>
+          <a:lstStyle/>
+          <a:p>
+            <a:pPr algn="ctr"/>
+            <a:endParaRPr lang="en-US"/>
+          </a:p>
+        </p:txBody>
+      </p:sp>
+      <p:sp>
+        <p:nvSpPr>
+          <p:cNvPr id="11" name="TextBox 10"/>
+          <p:cNvSpPr txBox="1"/>
+          <p:nvPr/>
+        </p:nvSpPr>
+        <p:spPr>
+          <a:xfrm>
+            <a:off x="206261" y="10703243"/>
+            <a:ext cx="1548309" cy="369332"/>
+          </a:xfrm>
+          <a:prstGeom prst="rect">
+            <a:avLst/>
+          </a:prstGeom>
+          <a:noFill/>
+        </p:spPr>
+        <p:txBody>
+          <a:bodyPr wrap="none" rtlCol="0">
+            <a:spAutoFit/>
+          </a:bodyPr>
+          <a:lstStyle/>
+          <a:p>
+            <a:r>
+              <a:rPr lang="en-US" dirty="0"/>
+              <a:t>I want to learn</a:t>
+            </a:r>
+          </a:p>
+        </p:txBody>
+      </p:sp>
+      <p:sp>
+        <p:nvSpPr>
+          <p:cNvPr id="12" name="TextBox 11"/>
+          <p:cNvSpPr txBox="1"/>
+          <p:nvPr/>
+        </p:nvSpPr>
+        <p:spPr>
+          <a:xfrm>
+            <a:off x="5210046" y="10714528"/>
+            <a:ext cx="1552926" cy="369332"/>
+          </a:xfrm>
+          <a:prstGeom prst="rect">
+            <a:avLst/>
+          </a:prstGeom>
+          <a:noFill/>
+        </p:spPr>
+        <p:txBody>
+          <a:bodyPr wrap="none" rtlCol="0">
+            <a:spAutoFit/>
+          </a:bodyPr>
+          <a:lstStyle/>
+          <a:p>
+            <a:r>
+              <a:rPr lang="en-US" dirty="0"/>
+              <a:t>I already know</a:t>
+            </a:r>
+          </a:p>
+        </p:txBody>
+      </p:sp>
+      <p:sp>
+        <p:nvSpPr>
+          <p:cNvPr id="23" name="TextBox 22"/>
+          <p:cNvSpPr txBox="1"/>
+          <p:nvPr/>
+        </p:nvSpPr>
+        <p:spPr>
+          <a:xfrm>
+            <a:off x="2143010" y="5110442"/>
+            <a:ext cx="4041540" cy="369332"/>
+          </a:xfrm>
+          <a:prstGeom prst="rect">
+            <a:avLst/>
+          </a:prstGeom>
+          <a:noFill/>
+        </p:spPr>
+        <p:txBody>
+          <a:bodyPr wrap="square" rtlCol="0">
+            <a:spAutoFit/>
+          </a:bodyPr>
+          <a:lstStyle/>
+          <a:p>
+            <a:r>
+              <a:rPr lang="en-US" dirty="0"/>
+              <a:t>Database </a:t>
+            </a:r>
+            <a:r>
+              <a:rPr lang="en-US" dirty="0" err="1"/>
+              <a:t>uk</a:t>
+            </a:r>
+            <a:r>
+              <a:rPr lang="en-US" dirty="0"/>
+              <a:t> universities</a:t>
+            </a:r>
+          </a:p>
+        </p:txBody>
+      </p:sp>
+      <p:sp>
+        <p:nvSpPr>
+          <p:cNvPr id="24" name="Rectangle 23"/>
+          <p:cNvSpPr/>
+          <p:nvPr/>
+        </p:nvSpPr>
+        <p:spPr>
+          <a:xfrm>
+            <a:off x="2057420" y="10383647"/>
+            <a:ext cx="1471493" cy="319596"/>
+          </a:xfrm>
+          <a:prstGeom prst="rect">
+            <a:avLst/>
+          </a:prstGeom>
+          <a:noFill/>
+          <a:ln>
+            <a:solidFill>
+              <a:schemeClr val="accent1"/>
+            </a:solidFill>
+          </a:ln>
+        </p:spPr>
+        <p:style>
+          <a:lnRef idx="2">
+            <a:schemeClr val="accent1">
+              <a:shade val="50000"/>
+            </a:schemeClr>
+          </a:lnRef>
+          <a:fillRef idx="1">
+            <a:schemeClr val="accent1"/>
+          </a:fillRef>
+          <a:effectRef idx="0">
+            <a:schemeClr val="accent1"/>
+          </a:effectRef>
+          <a:fontRef idx="minor">
+            <a:schemeClr val="lt1"/>
+          </a:fontRef>
+        </p:style>
+        <p:txBody>
+          <a:bodyPr rtlCol="0" anchor="ctr"/>
+          <a:lstStyle/>
+          <a:p>
+            <a:pPr algn="ctr"/>
+            <a:endParaRPr lang="en-US"/>
+          </a:p>
+        </p:txBody>
+      </p:sp>
+      <p:sp>
+        <p:nvSpPr>
+          <p:cNvPr id="25" name="Rectangle 24"/>
+          <p:cNvSpPr/>
+          <p:nvPr/>
+        </p:nvSpPr>
+        <p:spPr>
+          <a:xfrm>
+            <a:off x="3528913" y="10383647"/>
+            <a:ext cx="1471493" cy="319596"/>
+          </a:xfrm>
+          <a:prstGeom prst="rect">
+            <a:avLst/>
+          </a:prstGeom>
+          <a:noFill/>
+          <a:ln>
+            <a:solidFill>
+              <a:schemeClr val="accent1"/>
+            </a:solidFill>
+          </a:ln>
+        </p:spPr>
+        <p:style>
+          <a:lnRef idx="2">
+            <a:schemeClr val="accent1">
+              <a:shade val="50000"/>
+            </a:schemeClr>
+          </a:lnRef>
+          <a:fillRef idx="1">
+            <a:schemeClr val="accent1"/>
+          </a:fillRef>
+          <a:effectRef idx="0">
+            <a:schemeClr val="accent1"/>
+          </a:effectRef>
+          <a:fontRef idx="minor">
+            <a:schemeClr val="lt1"/>
+          </a:fontRef>
+        </p:style>
+        <p:txBody>
+          <a:bodyPr rtlCol="0" anchor="ctr"/>
+          <a:lstStyle/>
+          <a:p>
+            <a:pPr algn="ctr"/>
+            <a:endParaRPr lang="en-US"/>
+          </a:p>
+        </p:txBody>
+      </p:sp>
+      <p:sp>
+        <p:nvSpPr>
+          <p:cNvPr id="26" name="Rectangle 25"/>
+          <p:cNvSpPr/>
+          <p:nvPr/>
+        </p:nvSpPr>
+        <p:spPr>
+          <a:xfrm>
+            <a:off x="5000406" y="10383647"/>
+            <a:ext cx="1471493" cy="319596"/>
+          </a:xfrm>
+          <a:prstGeom prst="rect">
+            <a:avLst/>
+          </a:prstGeom>
+          <a:noFill/>
+          <a:ln>
+            <a:solidFill>
+              <a:schemeClr val="accent1"/>
+            </a:solidFill>
+          </a:ln>
+        </p:spPr>
+        <p:style>
+          <a:lnRef idx="2">
+            <a:schemeClr val="accent1">
+              <a:shade val="50000"/>
+            </a:schemeClr>
+          </a:lnRef>
+          <a:fillRef idx="1">
+            <a:schemeClr val="accent1"/>
+          </a:fillRef>
+          <a:effectRef idx="0">
+            <a:schemeClr val="accent1"/>
+          </a:effectRef>
+          <a:fontRef idx="minor">
+            <a:schemeClr val="lt1"/>
+          </a:fontRef>
+        </p:style>
+        <p:txBody>
+          <a:bodyPr rtlCol="0" anchor="ctr"/>
+          <a:lstStyle/>
+          <a:p>
+            <a:pPr algn="ctr"/>
+            <a:endParaRPr lang="en-US"/>
+          </a:p>
+        </p:txBody>
+      </p:sp>
+      <p:sp>
+        <p:nvSpPr>
+          <p:cNvPr id="27" name="TextBox 26"/>
+          <p:cNvSpPr txBox="1"/>
+          <p:nvPr/>
+        </p:nvSpPr>
+        <p:spPr>
+          <a:xfrm>
+            <a:off x="2985216" y="10714528"/>
+            <a:ext cx="994183" cy="369332"/>
+          </a:xfrm>
+          <a:prstGeom prst="rect">
+            <a:avLst/>
+          </a:prstGeom>
+          <a:noFill/>
+        </p:spPr>
+        <p:txBody>
+          <a:bodyPr wrap="none" rtlCol="0">
+            <a:spAutoFit/>
+          </a:bodyPr>
+          <a:lstStyle/>
+          <a:p>
+            <a:r>
+              <a:rPr lang="en-US" dirty="0"/>
+              <a:t>Learning</a:t>
+            </a:r>
+          </a:p>
+        </p:txBody>
+      </p:sp>
+      <p:sp>
+        <p:nvSpPr>
+          <p:cNvPr id="28" name="TextBox 27"/>
+          <p:cNvSpPr txBox="1"/>
+          <p:nvPr/>
+        </p:nvSpPr>
+        <p:spPr>
+          <a:xfrm>
+            <a:off x="355088" y="334335"/>
+            <a:ext cx="6212663" cy="707886"/>
+          </a:xfrm>
+          <a:prstGeom prst="rect">
+            <a:avLst/>
+          </a:prstGeom>
+          <a:noFill/>
+        </p:spPr>
+        <p:txBody>
+          <a:bodyPr wrap="none" rtlCol="0">
+            <a:spAutoFit/>
+          </a:bodyPr>
+          <a:lstStyle/>
+          <a:p>
+            <a:r>
               <a:rPr lang="en-US" sz="4000" dirty="0"/>
-              <a:t>Welcome to [event name]!</a:t>
+              <a:t>Appears only the first time**</a:t>
+            </a:r>
+          </a:p>
+        </p:txBody>
+      </p:sp>
+    </p:spTree>
+    <p:extLst>
+      <p:ext uri="{BB962C8B-B14F-4D97-AF65-F5344CB8AC3E}">
+        <p14:creationId xmlns:p14="http://schemas.microsoft.com/office/powerpoint/2010/main" val="2386308428"/>
+      </p:ext>
+    </p:extLst>
+  </p:cSld>
+  <p:clrMapOvr>
+    <a:masterClrMapping/>
+  </p:clrMapOvr>
+</p:sld>
+</file>
+
+<file path=ppt/slides/slide2.xml><?xml version="1.0" encoding="utf-8"?>
+<p:sld xmlns:a="http://schemas.openxmlformats.org/drawingml/2006/main" xmlns:r="http://schemas.openxmlformats.org/officeDocument/2006/relationships" xmlns:p="http://schemas.openxmlformats.org/presentationml/2006/main">
+  <p:cSld>
+    <p:spTree>
+      <p:nvGrpSpPr>
+        <p:cNvPr id="1" name=""/>
+        <p:cNvGrpSpPr/>
+        <p:nvPr/>
+      </p:nvGrpSpPr>
+      <p:grpSpPr>
+        <a:xfrm>
+          <a:off x="0" y="0"/>
+          <a:ext cx="0" cy="0"/>
+          <a:chOff x="0" y="0"/>
+          <a:chExt cx="0" cy="0"/>
+        </a:xfrm>
+      </p:grpSpPr>
+      <p:sp>
+        <p:nvSpPr>
+          <p:cNvPr id="4" name="TextBox 3"/>
+          <p:cNvSpPr txBox="1"/>
+          <p:nvPr/>
+        </p:nvSpPr>
+        <p:spPr>
+          <a:xfrm>
+            <a:off x="780735" y="5488356"/>
+            <a:ext cx="2167196" cy="553998"/>
+          </a:xfrm>
+          <a:prstGeom prst="rect">
+            <a:avLst/>
+          </a:prstGeom>
+          <a:noFill/>
+        </p:spPr>
+        <p:txBody>
+          <a:bodyPr wrap="none" rtlCol="0">
+            <a:spAutoFit/>
+          </a:bodyPr>
+          <a:lstStyle/>
+          <a:p>
+            <a:r>
+              <a:rPr lang="en-US" sz="3000" dirty="0"/>
+              <a:t>Event code : </a:t>
+            </a:r>
+          </a:p>
+        </p:txBody>
+      </p:sp>
+    </p:spTree>
+    <p:extLst>
+      <p:ext uri="{BB962C8B-B14F-4D97-AF65-F5344CB8AC3E}">
+        <p14:creationId xmlns:p14="http://schemas.microsoft.com/office/powerpoint/2010/main" val="1551641488"/>
+      </p:ext>
+    </p:extLst>
+  </p:cSld>
+  <p:clrMapOvr>
+    <a:masterClrMapping/>
+  </p:clrMapOvr>
+</p:sld>
+</file>
+
+<file path=ppt/slides/slide3.xml><?xml version="1.0" encoding="utf-8"?>
+<p:sld xmlns:a="http://schemas.openxmlformats.org/drawingml/2006/main" xmlns:r="http://schemas.openxmlformats.org/officeDocument/2006/relationships" xmlns:p="http://schemas.openxmlformats.org/presentationml/2006/main">
+  <p:cSld>
+    <p:spTree>
+      <p:nvGrpSpPr>
+        <p:cNvPr id="1" name=""/>
+        <p:cNvGrpSpPr/>
+        <p:nvPr/>
+      </p:nvGrpSpPr>
+      <p:grpSpPr>
+        <a:xfrm>
+          <a:off x="0" y="0"/>
+          <a:ext cx="0" cy="0"/>
+          <a:chOff x="0" y="0"/>
+          <a:chExt cx="0" cy="0"/>
+        </a:xfrm>
+      </p:grpSpPr>
+      <p:sp>
+        <p:nvSpPr>
+          <p:cNvPr id="6" name="TextBox 5"/>
+          <p:cNvSpPr txBox="1"/>
+          <p:nvPr/>
+        </p:nvSpPr>
+        <p:spPr>
+          <a:xfrm>
+            <a:off x="1298733" y="3455863"/>
+            <a:ext cx="4273615" cy="1015663"/>
+          </a:xfrm>
+          <a:prstGeom prst="rect">
+            <a:avLst/>
+          </a:prstGeom>
+          <a:noFill/>
+        </p:spPr>
+        <p:txBody>
+          <a:bodyPr wrap="square" rtlCol="0">
+            <a:spAutoFit/>
+          </a:bodyPr>
+          <a:lstStyle/>
+          <a:p>
+            <a:r>
+              <a:rPr lang="en-US" sz="6000" dirty="0"/>
+              <a:t>Find a team</a:t>
+            </a:r>
+          </a:p>
+        </p:txBody>
+      </p:sp>
+      <p:sp>
+        <p:nvSpPr>
+          <p:cNvPr id="7" name="Rectangle: Rounded Corners 6"/>
+          <p:cNvSpPr/>
+          <p:nvPr/>
+        </p:nvSpPr>
+        <p:spPr>
+          <a:xfrm>
+            <a:off x="896112" y="8440436"/>
+            <a:ext cx="4849368" cy="1015663"/>
+          </a:xfrm>
+          <a:prstGeom prst="roundRect">
+            <a:avLst/>
+          </a:prstGeom>
+          <a:noFill/>
+        </p:spPr>
+        <p:style>
+          <a:lnRef idx="2">
+            <a:schemeClr val="accent1">
+              <a:shade val="50000"/>
+            </a:schemeClr>
+          </a:lnRef>
+          <a:fillRef idx="1">
+            <a:schemeClr val="accent1"/>
+          </a:fillRef>
+          <a:effectRef idx="0">
+            <a:schemeClr val="accent1"/>
+          </a:effectRef>
+          <a:fontRef idx="minor">
+            <a:schemeClr val="lt1"/>
+          </a:fontRef>
+        </p:style>
+        <p:txBody>
+          <a:bodyPr rtlCol="0" anchor="ctr"/>
+          <a:lstStyle/>
+          <a:p>
+            <a:pPr algn="ctr"/>
+            <a:endParaRPr lang="en-US"/>
+          </a:p>
+        </p:txBody>
+      </p:sp>
+      <p:sp>
+        <p:nvSpPr>
+          <p:cNvPr id="10" name="TextBox 9"/>
+          <p:cNvSpPr txBox="1"/>
+          <p:nvPr/>
+        </p:nvSpPr>
+        <p:spPr>
+          <a:xfrm>
+            <a:off x="1031200" y="8440436"/>
+            <a:ext cx="4714280" cy="1015663"/>
+          </a:xfrm>
+          <a:prstGeom prst="rect">
+            <a:avLst/>
+          </a:prstGeom>
+          <a:noFill/>
+        </p:spPr>
+        <p:txBody>
+          <a:bodyPr wrap="square" rtlCol="0">
+            <a:spAutoFit/>
+          </a:bodyPr>
+          <a:lstStyle/>
+          <a:p>
+            <a:r>
+              <a:rPr lang="en-US" sz="6000" dirty="0"/>
+              <a:t>Create a team</a:t>
+            </a:r>
+          </a:p>
+        </p:txBody>
+      </p:sp>
+      <p:sp>
+        <p:nvSpPr>
+          <p:cNvPr id="11" name="Rectangle: Rounded Corners 10"/>
+          <p:cNvSpPr/>
+          <p:nvPr/>
+        </p:nvSpPr>
+        <p:spPr>
+          <a:xfrm>
+            <a:off x="1031200" y="3400215"/>
+            <a:ext cx="4619792" cy="1062057"/>
+          </a:xfrm>
+          <a:prstGeom prst="roundRect">
+            <a:avLst/>
+          </a:prstGeom>
+          <a:noFill/>
+        </p:spPr>
+        <p:style>
+          <a:lnRef idx="2">
+            <a:schemeClr val="accent1">
+              <a:shade val="50000"/>
+            </a:schemeClr>
+          </a:lnRef>
+          <a:fillRef idx="1">
+            <a:schemeClr val="accent1"/>
+          </a:fillRef>
+          <a:effectRef idx="0">
+            <a:schemeClr val="accent1"/>
+          </a:effectRef>
+          <a:fontRef idx="minor">
+            <a:schemeClr val="lt1"/>
+          </a:fontRef>
+        </p:style>
+        <p:txBody>
+          <a:bodyPr rtlCol="0" anchor="ctr"/>
+          <a:lstStyle/>
+          <a:p>
+            <a:pPr algn="ctr"/>
+            <a:endParaRPr lang="en-US"/>
+          </a:p>
+        </p:txBody>
+      </p:sp>
+      <p:sp>
+        <p:nvSpPr>
+          <p:cNvPr id="12" name="TextBox 11"/>
+          <p:cNvSpPr txBox="1"/>
+          <p:nvPr/>
+        </p:nvSpPr>
+        <p:spPr>
+          <a:xfrm>
+            <a:off x="2882822" y="5901983"/>
+            <a:ext cx="916548" cy="553998"/>
+          </a:xfrm>
+          <a:prstGeom prst="rect">
+            <a:avLst/>
+          </a:prstGeom>
+          <a:noFill/>
+        </p:spPr>
+        <p:txBody>
+          <a:bodyPr wrap="square" rtlCol="0">
+            <a:spAutoFit/>
+          </a:bodyPr>
+          <a:lstStyle/>
+          <a:p>
+            <a:r>
+              <a:rPr lang="en-US" sz="3000" dirty="0"/>
+              <a:t>or</a:t>
+            </a:r>
+          </a:p>
+        </p:txBody>
+      </p:sp>
+    </p:spTree>
+    <p:extLst>
+      <p:ext uri="{BB962C8B-B14F-4D97-AF65-F5344CB8AC3E}">
+        <p14:creationId xmlns:p14="http://schemas.microsoft.com/office/powerpoint/2010/main" val="1566815172"/>
+      </p:ext>
+    </p:extLst>
+  </p:cSld>
+  <p:clrMapOvr>
+    <a:masterClrMapping/>
+  </p:clrMapOvr>
+</p:sld>
+</file>
+
+<file path=ppt/slides/slide4.xml><?xml version="1.0" encoding="utf-8"?>
+<p:sld xmlns:a="http://schemas.openxmlformats.org/drawingml/2006/main" xmlns:r="http://schemas.openxmlformats.org/officeDocument/2006/relationships" xmlns:p="http://schemas.openxmlformats.org/presentationml/2006/main">
+  <p:cSld>
+    <p:spTree>
+      <p:nvGrpSpPr>
+        <p:cNvPr id="1" name=""/>
+        <p:cNvGrpSpPr/>
+        <p:nvPr/>
+      </p:nvGrpSpPr>
+      <p:grpSpPr>
+        <a:xfrm>
+          <a:off x="0" y="0"/>
+          <a:ext cx="0" cy="0"/>
+          <a:chOff x="0" y="0"/>
+          <a:chExt cx="0" cy="0"/>
+        </a:xfrm>
+      </p:grpSpPr>
+      <p:sp>
+        <p:nvSpPr>
+          <p:cNvPr id="5" name="TextBox 4"/>
+          <p:cNvSpPr txBox="1"/>
+          <p:nvPr/>
+        </p:nvSpPr>
+        <p:spPr>
+          <a:xfrm>
+            <a:off x="973514" y="1564989"/>
+            <a:ext cx="5110310" cy="861774"/>
+          </a:xfrm>
+          <a:prstGeom prst="rect">
+            <a:avLst/>
+          </a:prstGeom>
+          <a:noFill/>
+        </p:spPr>
+        <p:txBody>
+          <a:bodyPr wrap="none" rtlCol="0">
+            <a:spAutoFit/>
+          </a:bodyPr>
+          <a:lstStyle/>
+          <a:p>
+            <a:r>
+              <a:rPr lang="en-US" sz="5000" b="1" dirty="0"/>
+              <a:t>Create your team :</a:t>
+            </a:r>
+          </a:p>
+        </p:txBody>
+      </p:sp>
+      <p:sp>
+        <p:nvSpPr>
+          <p:cNvPr id="6" name="TextBox 5"/>
+          <p:cNvSpPr txBox="1"/>
+          <p:nvPr/>
+        </p:nvSpPr>
+        <p:spPr>
+          <a:xfrm>
+            <a:off x="881149" y="4921135"/>
+            <a:ext cx="184731" cy="369332"/>
+          </a:xfrm>
+          <a:prstGeom prst="rect">
+            <a:avLst/>
+          </a:prstGeom>
+          <a:noFill/>
+        </p:spPr>
+        <p:txBody>
+          <a:bodyPr wrap="none" rtlCol="0">
+            <a:spAutoFit/>
+          </a:bodyPr>
+          <a:lstStyle/>
+          <a:p>
+            <a:endParaRPr lang="en-US" dirty="0"/>
+          </a:p>
+        </p:txBody>
+      </p:sp>
+      <p:sp>
+        <p:nvSpPr>
+          <p:cNvPr id="7" name="TextBox 6"/>
+          <p:cNvSpPr txBox="1"/>
+          <p:nvPr/>
+        </p:nvSpPr>
+        <p:spPr>
+          <a:xfrm>
+            <a:off x="358227" y="4828802"/>
+            <a:ext cx="4461286" cy="553998"/>
+          </a:xfrm>
+          <a:prstGeom prst="rect">
+            <a:avLst/>
+          </a:prstGeom>
+          <a:noFill/>
+        </p:spPr>
+        <p:txBody>
+          <a:bodyPr wrap="none" rtlCol="0">
+            <a:spAutoFit/>
+          </a:bodyPr>
+          <a:lstStyle/>
+          <a:p>
+            <a:r>
+              <a:rPr lang="en-US" sz="3000" b="1" dirty="0"/>
+              <a:t>Team name (if you want!) :</a:t>
+            </a:r>
+          </a:p>
+        </p:txBody>
+      </p:sp>
+      <p:sp>
+        <p:nvSpPr>
+          <p:cNvPr id="10" name="TextBox 9"/>
+          <p:cNvSpPr txBox="1"/>
+          <p:nvPr/>
+        </p:nvSpPr>
+        <p:spPr>
+          <a:xfrm>
+            <a:off x="1651110" y="7548180"/>
+            <a:ext cx="3360279" cy="861774"/>
+          </a:xfrm>
+          <a:prstGeom prst="rect">
+            <a:avLst/>
+          </a:prstGeom>
+          <a:noFill/>
+        </p:spPr>
+        <p:txBody>
+          <a:bodyPr wrap="none" rtlCol="0">
+            <a:spAutoFit/>
+          </a:bodyPr>
+          <a:lstStyle/>
+          <a:p>
+            <a:r>
+              <a:rPr lang="en-US" sz="5000" b="1" dirty="0"/>
+              <a:t>create team</a:t>
+            </a:r>
+          </a:p>
+        </p:txBody>
+      </p:sp>
+      <p:sp>
+        <p:nvSpPr>
+          <p:cNvPr id="11" name="Rectangle: Rounded Corners 10"/>
+          <p:cNvSpPr/>
+          <p:nvPr/>
+        </p:nvSpPr>
+        <p:spPr>
+          <a:xfrm>
+            <a:off x="1266788" y="7439275"/>
+            <a:ext cx="4039986" cy="1097280"/>
+          </a:xfrm>
+          <a:prstGeom prst="roundRect">
+            <a:avLst/>
+          </a:prstGeom>
+          <a:noFill/>
+        </p:spPr>
+        <p:style>
+          <a:lnRef idx="2">
+            <a:schemeClr val="accent1">
+              <a:shade val="50000"/>
+            </a:schemeClr>
+          </a:lnRef>
+          <a:fillRef idx="1">
+            <a:schemeClr val="accent1"/>
+          </a:fillRef>
+          <a:effectRef idx="0">
+            <a:schemeClr val="accent1"/>
+          </a:effectRef>
+          <a:fontRef idx="minor">
+            <a:schemeClr val="lt1"/>
+          </a:fontRef>
+        </p:style>
+        <p:txBody>
+          <a:bodyPr rtlCol="0" anchor="ctr"/>
+          <a:lstStyle/>
+          <a:p>
+            <a:pPr algn="ctr"/>
+            <a:endParaRPr lang="en-US"/>
+          </a:p>
+        </p:txBody>
+      </p:sp>
+      <p:sp>
+        <p:nvSpPr>
+          <p:cNvPr id="12" name="TextBox 11"/>
+          <p:cNvSpPr txBox="1"/>
+          <p:nvPr/>
+        </p:nvSpPr>
+        <p:spPr>
+          <a:xfrm>
+            <a:off x="277992" y="5580518"/>
+            <a:ext cx="5351080" cy="553998"/>
+          </a:xfrm>
+          <a:prstGeom prst="rect">
+            <a:avLst/>
+          </a:prstGeom>
+          <a:noFill/>
+        </p:spPr>
+        <p:txBody>
+          <a:bodyPr wrap="none" rtlCol="0">
+            <a:spAutoFit/>
+          </a:bodyPr>
+          <a:lstStyle/>
+          <a:p>
+            <a:r>
+              <a:rPr lang="en-US" sz="3000" b="1" dirty="0"/>
+              <a:t>Team description (if you want!) :</a:t>
+            </a:r>
+          </a:p>
+        </p:txBody>
+      </p:sp>
+      <p:sp>
+        <p:nvSpPr>
+          <p:cNvPr id="13" name="TextBox 12"/>
+          <p:cNvSpPr txBox="1"/>
+          <p:nvPr/>
+        </p:nvSpPr>
+        <p:spPr>
+          <a:xfrm>
+            <a:off x="2047461" y="9263270"/>
+            <a:ext cx="3065326" cy="646331"/>
+          </a:xfrm>
+          <a:prstGeom prst="rect">
+            <a:avLst/>
+          </a:prstGeom>
+          <a:noFill/>
+        </p:spPr>
+        <p:txBody>
+          <a:bodyPr wrap="none" rtlCol="0">
+            <a:spAutoFit/>
+          </a:bodyPr>
+          <a:lstStyle/>
+          <a:p>
+            <a:r>
+              <a:rPr lang="en-US" dirty="0"/>
+              <a:t>Ok, your join code is ABCD </a:t>
+            </a:r>
+          </a:p>
+          <a:p>
+            <a:r>
+              <a:rPr lang="en-US" dirty="0"/>
+              <a:t>Share this with your friends to </a:t>
+            </a:r>
+          </a:p>
+        </p:txBody>
+      </p:sp>
+    </p:spTree>
+    <p:extLst>
+      <p:ext uri="{BB962C8B-B14F-4D97-AF65-F5344CB8AC3E}">
+        <p14:creationId xmlns:p14="http://schemas.microsoft.com/office/powerpoint/2010/main" val="2677527463"/>
+      </p:ext>
+    </p:extLst>
+  </p:cSld>
+  <p:clrMapOvr>
+    <a:masterClrMapping/>
+  </p:clrMapOvr>
+</p:sld>
+</file>
+
+<file path=ppt/slides/slide5.xml><?xml version="1.0" encoding="utf-8"?>
+<p:sld xmlns:a="http://schemas.openxmlformats.org/drawingml/2006/main" xmlns:r="http://schemas.openxmlformats.org/officeDocument/2006/relationships" xmlns:p="http://schemas.openxmlformats.org/presentationml/2006/main">
+  <p:cSld>
+    <p:spTree>
+      <p:nvGrpSpPr>
+        <p:cNvPr id="1" name=""/>
+        <p:cNvGrpSpPr/>
+        <p:nvPr/>
+      </p:nvGrpSpPr>
+      <p:grpSpPr>
+        <a:xfrm>
+          <a:off x="0" y="0"/>
+          <a:ext cx="0" cy="0"/>
+          <a:chOff x="0" y="0"/>
+          <a:chExt cx="0" cy="0"/>
+        </a:xfrm>
+      </p:grpSpPr>
+      <p:sp>
+        <p:nvSpPr>
+          <p:cNvPr id="5" name="TextBox 4"/>
+          <p:cNvSpPr txBox="1"/>
+          <p:nvPr/>
+        </p:nvSpPr>
+        <p:spPr>
+          <a:xfrm>
+            <a:off x="1940416" y="1916653"/>
+            <a:ext cx="2740622" cy="553998"/>
+          </a:xfrm>
+          <a:prstGeom prst="rect">
+            <a:avLst/>
+          </a:prstGeom>
+          <a:noFill/>
+        </p:spPr>
+        <p:txBody>
+          <a:bodyPr wrap="none" rtlCol="0">
+            <a:spAutoFit/>
+          </a:bodyPr>
+          <a:lstStyle/>
+          <a:p>
+            <a:r>
+              <a:rPr lang="en-US" sz="3000" dirty="0"/>
+              <a:t>Available teams:</a:t>
+            </a:r>
+            <a:endParaRPr lang="en-US" sz="3000" b="1" dirty="0"/>
+          </a:p>
+        </p:txBody>
+      </p:sp>
+      <p:sp>
+        <p:nvSpPr>
+          <p:cNvPr id="6" name="Rectangle 5"/>
+          <p:cNvSpPr/>
+          <p:nvPr/>
+        </p:nvSpPr>
+        <p:spPr>
+          <a:xfrm>
+            <a:off x="731724" y="2928373"/>
+            <a:ext cx="2211186" cy="2543695"/>
+          </a:xfrm>
+          <a:prstGeom prst="rect">
+            <a:avLst/>
+          </a:prstGeom>
+          <a:noFill/>
+        </p:spPr>
+        <p:style>
+          <a:lnRef idx="2">
+            <a:schemeClr val="accent1">
+              <a:shade val="50000"/>
+            </a:schemeClr>
+          </a:lnRef>
+          <a:fillRef idx="1">
+            <a:schemeClr val="accent1"/>
+          </a:fillRef>
+          <a:effectRef idx="0">
+            <a:schemeClr val="accent1"/>
+          </a:effectRef>
+          <a:fontRef idx="minor">
+            <a:schemeClr val="lt1"/>
+          </a:fontRef>
+        </p:style>
+        <p:txBody>
+          <a:bodyPr rtlCol="0" anchor="ctr"/>
+          <a:lstStyle/>
+          <a:p>
+            <a:pPr algn="ctr"/>
+            <a:endParaRPr lang="en-US"/>
+          </a:p>
+        </p:txBody>
+      </p:sp>
+      <p:sp>
+        <p:nvSpPr>
+          <p:cNvPr id="7" name="Rectangle 6"/>
+          <p:cNvSpPr/>
+          <p:nvPr/>
+        </p:nvSpPr>
+        <p:spPr>
+          <a:xfrm>
+            <a:off x="3948942" y="2928372"/>
+            <a:ext cx="2211186" cy="2543695"/>
+          </a:xfrm>
+          <a:prstGeom prst="rect">
+            <a:avLst/>
+          </a:prstGeom>
+          <a:noFill/>
+        </p:spPr>
+        <p:style>
+          <a:lnRef idx="2">
+            <a:schemeClr val="accent1">
+              <a:shade val="50000"/>
+            </a:schemeClr>
+          </a:lnRef>
+          <a:fillRef idx="1">
+            <a:schemeClr val="accent1"/>
+          </a:fillRef>
+          <a:effectRef idx="0">
+            <a:schemeClr val="accent1"/>
+          </a:effectRef>
+          <a:fontRef idx="minor">
+            <a:schemeClr val="lt1"/>
+          </a:fontRef>
+        </p:style>
+        <p:txBody>
+          <a:bodyPr rtlCol="0" anchor="ctr"/>
+          <a:lstStyle/>
+          <a:p>
+            <a:pPr algn="ctr"/>
+            <a:endParaRPr lang="en-US"/>
+          </a:p>
+        </p:txBody>
+      </p:sp>
+      <p:sp>
+        <p:nvSpPr>
+          <p:cNvPr id="8" name="Rectangle 7"/>
+          <p:cNvSpPr/>
+          <p:nvPr/>
+        </p:nvSpPr>
+        <p:spPr>
+          <a:xfrm>
+            <a:off x="731724" y="6071582"/>
+            <a:ext cx="2211186" cy="2543695"/>
+          </a:xfrm>
+          <a:prstGeom prst="rect">
+            <a:avLst/>
+          </a:prstGeom>
+          <a:noFill/>
+        </p:spPr>
+        <p:style>
+          <a:lnRef idx="2">
+            <a:schemeClr val="accent1">
+              <a:shade val="50000"/>
+            </a:schemeClr>
+          </a:lnRef>
+          <a:fillRef idx="1">
+            <a:schemeClr val="accent1"/>
+          </a:fillRef>
+          <a:effectRef idx="0">
+            <a:schemeClr val="accent1"/>
+          </a:effectRef>
+          <a:fontRef idx="minor">
+            <a:schemeClr val="lt1"/>
+          </a:fontRef>
+        </p:style>
+        <p:txBody>
+          <a:bodyPr rtlCol="0" anchor="ctr"/>
+          <a:lstStyle/>
+          <a:p>
+            <a:pPr algn="ctr"/>
+            <a:endParaRPr lang="en-US"/>
+          </a:p>
+        </p:txBody>
+      </p:sp>
+      <p:sp>
+        <p:nvSpPr>
+          <p:cNvPr id="9" name="Rectangle 8"/>
+          <p:cNvSpPr/>
+          <p:nvPr/>
+        </p:nvSpPr>
+        <p:spPr>
+          <a:xfrm>
+            <a:off x="3948942" y="6071581"/>
+            <a:ext cx="2211186" cy="2543695"/>
+          </a:xfrm>
+          <a:prstGeom prst="rect">
+            <a:avLst/>
+          </a:prstGeom>
+          <a:noFill/>
+        </p:spPr>
+        <p:style>
+          <a:lnRef idx="2">
+            <a:schemeClr val="accent1">
+              <a:shade val="50000"/>
+            </a:schemeClr>
+          </a:lnRef>
+          <a:fillRef idx="1">
+            <a:schemeClr val="accent1"/>
+          </a:fillRef>
+          <a:effectRef idx="0">
+            <a:schemeClr val="accent1"/>
+          </a:effectRef>
+          <a:fontRef idx="minor">
+            <a:schemeClr val="lt1"/>
+          </a:fontRef>
+        </p:style>
+        <p:txBody>
+          <a:bodyPr rtlCol="0" anchor="ctr"/>
+          <a:lstStyle/>
+          <a:p>
+            <a:pPr algn="ctr"/>
+            <a:endParaRPr lang="en-US"/>
+          </a:p>
+        </p:txBody>
+      </p:sp>
+      <p:sp>
+        <p:nvSpPr>
+          <p:cNvPr id="12" name="TextBox 11"/>
+          <p:cNvSpPr txBox="1"/>
+          <p:nvPr/>
+        </p:nvSpPr>
+        <p:spPr>
+          <a:xfrm>
+            <a:off x="5127796" y="9051876"/>
+            <a:ext cx="658835" cy="553998"/>
+          </a:xfrm>
+          <a:prstGeom prst="rect">
+            <a:avLst/>
+          </a:prstGeom>
+          <a:noFill/>
+        </p:spPr>
+        <p:txBody>
+          <a:bodyPr wrap="none" rtlCol="0">
+            <a:spAutoFit/>
+          </a:bodyPr>
+          <a:lstStyle/>
+          <a:p>
+            <a:r>
+              <a:rPr lang="en-US" sz="3000" dirty="0" err="1"/>
+              <a:t>etc</a:t>
+            </a:r>
+            <a:endParaRPr lang="en-US" sz="3000" b="1" dirty="0"/>
+          </a:p>
+        </p:txBody>
+      </p:sp>
+      <p:sp>
+        <p:nvSpPr>
+          <p:cNvPr id="13" name="TextBox 12"/>
+          <p:cNvSpPr txBox="1"/>
+          <p:nvPr/>
+        </p:nvSpPr>
+        <p:spPr>
+          <a:xfrm>
+            <a:off x="2096353" y="11133039"/>
+            <a:ext cx="2958182" cy="553998"/>
+          </a:xfrm>
+          <a:prstGeom prst="rect">
+            <a:avLst/>
+          </a:prstGeom>
+          <a:noFill/>
+        </p:spPr>
+        <p:txBody>
+          <a:bodyPr wrap="none" rtlCol="0">
+            <a:spAutoFit/>
+          </a:bodyPr>
+          <a:lstStyle/>
+          <a:p>
+            <a:r>
+              <a:rPr lang="en-US" sz="3000" b="1" dirty="0"/>
+              <a:t>I have a join code</a:t>
+            </a:r>
+          </a:p>
+        </p:txBody>
+      </p:sp>
+      <p:sp>
+        <p:nvSpPr>
+          <p:cNvPr id="14" name="Rectangle: Rounded Corners 13"/>
+          <p:cNvSpPr/>
+          <p:nvPr/>
+        </p:nvSpPr>
+        <p:spPr>
+          <a:xfrm>
+            <a:off x="1760335" y="11078587"/>
+            <a:ext cx="3630219" cy="662903"/>
+          </a:xfrm>
+          <a:prstGeom prst="roundRect">
+            <a:avLst/>
+          </a:prstGeom>
+          <a:noFill/>
+        </p:spPr>
+        <p:style>
+          <a:lnRef idx="2">
+            <a:schemeClr val="accent1">
+              <a:shade val="50000"/>
+            </a:schemeClr>
+          </a:lnRef>
+          <a:fillRef idx="1">
+            <a:schemeClr val="accent1"/>
+          </a:fillRef>
+          <a:effectRef idx="0">
+            <a:schemeClr val="accent1"/>
+          </a:effectRef>
+          <a:fontRef idx="minor">
+            <a:schemeClr val="lt1"/>
+          </a:fontRef>
+        </p:style>
+        <p:txBody>
+          <a:bodyPr rtlCol="0" anchor="ctr"/>
+          <a:lstStyle/>
+          <a:p>
+            <a:pPr algn="ctr"/>
+            <a:endParaRPr lang="en-US"/>
+          </a:p>
+        </p:txBody>
+      </p:sp>
+    </p:spTree>
+    <p:extLst>
+      <p:ext uri="{BB962C8B-B14F-4D97-AF65-F5344CB8AC3E}">
+        <p14:creationId xmlns:p14="http://schemas.microsoft.com/office/powerpoint/2010/main" val="306609475"/>
+      </p:ext>
+    </p:extLst>
+  </p:cSld>
+  <p:clrMapOvr>
+    <a:masterClrMapping/>
+  </p:clrMapOvr>
+</p:sld>
+</file>
+
+<file path=ppt/slides/slide6.xml><?xml version="1.0" encoding="utf-8"?>
+<p:sld xmlns:a="http://schemas.openxmlformats.org/drawingml/2006/main" xmlns:r="http://schemas.openxmlformats.org/officeDocument/2006/relationships" xmlns:p="http://schemas.openxmlformats.org/presentationml/2006/main">
+  <p:cSld>
+    <p:spTree>
+      <p:nvGrpSpPr>
+        <p:cNvPr id="1" name=""/>
+        <p:cNvGrpSpPr/>
+        <p:nvPr/>
+      </p:nvGrpSpPr>
+      <p:grpSpPr>
+        <a:xfrm>
+          <a:off x="0" y="0"/>
+          <a:ext cx="0" cy="0"/>
+          <a:chOff x="0" y="0"/>
+          <a:chExt cx="0" cy="0"/>
+        </a:xfrm>
+      </p:grpSpPr>
+      <p:sp>
+        <p:nvSpPr>
+          <p:cNvPr id="4" name="TextBox 3"/>
+          <p:cNvSpPr txBox="1"/>
+          <p:nvPr/>
+        </p:nvSpPr>
+        <p:spPr>
+          <a:xfrm>
+            <a:off x="1749416" y="1082304"/>
+            <a:ext cx="3498971" cy="861774"/>
+          </a:xfrm>
+          <a:prstGeom prst="rect">
+            <a:avLst/>
+          </a:prstGeom>
+          <a:noFill/>
+        </p:spPr>
+        <p:txBody>
+          <a:bodyPr wrap="none" rtlCol="0">
+            <a:spAutoFit/>
+          </a:bodyPr>
+          <a:lstStyle/>
+          <a:p>
+            <a:r>
+              <a:rPr lang="en-US" sz="5000" b="1" dirty="0"/>
+              <a:t>Team profile</a:t>
+            </a:r>
+          </a:p>
+        </p:txBody>
+      </p:sp>
+      <p:sp>
+        <p:nvSpPr>
+          <p:cNvPr id="5" name="TextBox 4"/>
+          <p:cNvSpPr txBox="1"/>
+          <p:nvPr/>
+        </p:nvSpPr>
+        <p:spPr>
+          <a:xfrm>
+            <a:off x="471693" y="3908876"/>
+            <a:ext cx="5834546" cy="2400657"/>
+          </a:xfrm>
+          <a:prstGeom prst="rect">
+            <a:avLst/>
+          </a:prstGeom>
+          <a:noFill/>
+        </p:spPr>
+        <p:txBody>
+          <a:bodyPr wrap="square" rtlCol="0">
+            <a:spAutoFit/>
+          </a:bodyPr>
+          <a:lstStyle/>
+          <a:p>
+            <a:r>
+              <a:rPr lang="en-US" sz="2500" dirty="0"/>
+              <a:t>Members :</a:t>
+            </a:r>
+          </a:p>
+          <a:p>
+            <a:pPr marL="342900" indent="-342900">
+              <a:buFontTx/>
+              <a:buChar char="-"/>
+            </a:pPr>
+            <a:r>
+              <a:rPr lang="en-US" sz="2500" dirty="0"/>
+              <a:t>here it could be a list of the names </a:t>
+            </a:r>
+          </a:p>
+          <a:p>
+            <a:pPr marL="342900" indent="-342900">
+              <a:buFontTx/>
+              <a:buChar char="-"/>
+            </a:pPr>
+            <a:r>
+              <a:rPr lang="en-US" sz="2500" dirty="0"/>
+              <a:t>if you pressed on the name it would tell you those details you  put in the </a:t>
+            </a:r>
+            <a:r>
+              <a:rPr lang="en-US" sz="2500" b="1" dirty="0"/>
+              <a:t>personal info</a:t>
+            </a:r>
+            <a:r>
+              <a:rPr lang="en-US" sz="2500" dirty="0"/>
+              <a:t> form (</a:t>
+            </a:r>
+            <a:r>
+              <a:rPr lang="en-US" sz="2500" dirty="0" err="1"/>
+              <a:t>name,user,year,uni,knowledge</a:t>
+            </a:r>
+            <a:r>
+              <a:rPr lang="en-US" sz="2500" dirty="0"/>
+              <a:t>)</a:t>
+            </a:r>
+          </a:p>
+        </p:txBody>
+      </p:sp>
+      <p:sp>
+        <p:nvSpPr>
+          <p:cNvPr id="6" name="TextBox 5"/>
+          <p:cNvSpPr txBox="1"/>
+          <p:nvPr/>
+        </p:nvSpPr>
+        <p:spPr>
+          <a:xfrm>
+            <a:off x="471693" y="6526181"/>
+            <a:ext cx="5834546" cy="1246495"/>
+          </a:xfrm>
+          <a:prstGeom prst="rect">
+            <a:avLst/>
+          </a:prstGeom>
+          <a:noFill/>
+        </p:spPr>
+        <p:txBody>
+          <a:bodyPr wrap="square" rtlCol="0">
+            <a:spAutoFit/>
+          </a:bodyPr>
+          <a:lstStyle/>
+          <a:p>
+            <a:r>
+              <a:rPr lang="en-US" sz="2500" dirty="0"/>
+              <a:t>Maybe some nice stats </a:t>
+            </a:r>
+          </a:p>
+          <a:p>
+            <a:r>
+              <a:rPr lang="en-US" sz="2500" dirty="0"/>
+              <a:t>e.g.: this team has java , </a:t>
+            </a:r>
+            <a:r>
+              <a:rPr lang="en-US" sz="2500" dirty="0" err="1"/>
+              <a:t>c++</a:t>
+            </a:r>
+            <a:r>
+              <a:rPr lang="en-US" sz="2500" dirty="0"/>
+              <a:t> and python knowledge </a:t>
             </a:r>
           </a:p>
         </p:txBody>
       </p:sp>
       <p:grpSp>
         <p:nvGrpSpPr>
-          <p:cNvPr id="15" name="Group 14"/>
+          <p:cNvPr id="9" name="Group 8"/>
           <p:cNvGrpSpPr/>
           <p:nvPr/>
         </p:nvGrpSpPr>
         <p:grpSpPr>
           <a:xfrm>
-            <a:off x="211391" y="8480612"/>
-            <a:ext cx="6550383" cy="630942"/>
-            <a:chOff x="211391" y="8480612"/>
-            <a:chExt cx="6550383" cy="630942"/>
+            <a:off x="814187" y="9603730"/>
+            <a:ext cx="5149557" cy="1097280"/>
+            <a:chOff x="1411357" y="9842269"/>
+            <a:chExt cx="5149557" cy="1097280"/>
           </a:xfrm>
         </p:grpSpPr>
         <p:sp>
@@ -3047,8 +4944,8 @@
           </p:nvSpPr>
           <p:spPr>
             <a:xfrm>
-              <a:off x="211391" y="8480612"/>
-              <a:ext cx="6550383" cy="630942"/>
+              <a:off x="1989040" y="9951174"/>
+              <a:ext cx="4070538" cy="861774"/>
             </a:xfrm>
             <a:prstGeom prst="rect">
               <a:avLst/>
@@ -3062,22 +4959,22 @@
             <a:lstStyle/>
             <a:p>
               <a:r>
-                <a:rPr lang="en-US" sz="3500" dirty="0"/>
-                <a:t>single individual looking for a team</a:t>
+                <a:rPr lang="en-US" sz="5000" b="1" dirty="0"/>
+                <a:t>request to join</a:t>
               </a:r>
             </a:p>
           </p:txBody>
         </p:sp>
         <p:sp>
           <p:nvSpPr>
-            <p:cNvPr id="10" name="Rectangle: Rounded Corners 9"/>
+            <p:cNvPr id="8" name="Rectangle: Rounded Corners 7"/>
             <p:cNvSpPr/>
             <p:nvPr/>
           </p:nvSpPr>
           <p:spPr>
             <a:xfrm>
-              <a:off x="211391" y="8480612"/>
-              <a:ext cx="6422491" cy="630942"/>
+              <a:off x="1411357" y="9842269"/>
+              <a:ext cx="5149557" cy="1097280"/>
             </a:xfrm>
             <a:prstGeom prst="roundRect">
               <a:avLst/>
@@ -3110,186 +5007,16 @@
           </p:txBody>
         </p:sp>
       </p:grpSp>
-      <p:grpSp>
-        <p:nvGrpSpPr>
-          <p:cNvPr id="14" name="Group 13"/>
-          <p:cNvGrpSpPr/>
-          <p:nvPr/>
-        </p:nvGrpSpPr>
-        <p:grpSpPr>
-          <a:xfrm>
-            <a:off x="544890" y="9240688"/>
-            <a:ext cx="5952991" cy="649740"/>
-            <a:chOff x="544890" y="9240688"/>
-            <a:chExt cx="5952991" cy="649740"/>
-          </a:xfrm>
-        </p:grpSpPr>
-        <p:sp>
-          <p:nvSpPr>
-            <p:cNvPr id="8" name="TextBox 7"/>
-            <p:cNvSpPr txBox="1"/>
-            <p:nvPr/>
-          </p:nvSpPr>
-          <p:spPr>
-            <a:xfrm>
-              <a:off x="580748" y="9240688"/>
-              <a:ext cx="5917133" cy="630942"/>
-            </a:xfrm>
-            <a:prstGeom prst="rect">
-              <a:avLst/>
-            </a:prstGeom>
-            <a:noFill/>
-          </p:spPr>
-          <p:txBody>
-            <a:bodyPr wrap="none" rtlCol="0">
-              <a:spAutoFit/>
-            </a:bodyPr>
-            <a:lstStyle/>
-            <a:p>
-              <a:r>
-                <a:rPr lang="en-US" sz="3500" dirty="0"/>
-                <a:t>team looking for new members</a:t>
-              </a:r>
-            </a:p>
-          </p:txBody>
-        </p:sp>
-        <p:sp>
-          <p:nvSpPr>
-            <p:cNvPr id="11" name="Rectangle: Rounded Corners 10"/>
-            <p:cNvSpPr/>
-            <p:nvPr/>
-          </p:nvSpPr>
-          <p:spPr>
-            <a:xfrm>
-              <a:off x="544890" y="9259486"/>
-              <a:ext cx="5917134" cy="630942"/>
-            </a:xfrm>
-            <a:prstGeom prst="roundRect">
-              <a:avLst/>
-            </a:prstGeom>
-            <a:noFill/>
-          </p:spPr>
-          <p:style>
-            <a:lnRef idx="2">
-              <a:schemeClr val="accent1">
-                <a:shade val="50000"/>
-              </a:schemeClr>
-            </a:lnRef>
-            <a:fillRef idx="1">
-              <a:schemeClr val="accent1"/>
-            </a:fillRef>
-            <a:effectRef idx="0">
-              <a:schemeClr val="accent1"/>
-            </a:effectRef>
-            <a:fontRef idx="minor">
-              <a:schemeClr val="lt1"/>
-            </a:fontRef>
-          </p:style>
-          <p:txBody>
-            <a:bodyPr rtlCol="0" anchor="ctr"/>
-            <a:lstStyle/>
-            <a:p>
-              <a:pPr algn="ctr"/>
-              <a:endParaRPr lang="en-US"/>
-            </a:p>
-          </p:txBody>
-        </p:sp>
-      </p:grpSp>
-      <p:grpSp>
-        <p:nvGrpSpPr>
-          <p:cNvPr id="16" name="Group 15"/>
-          <p:cNvGrpSpPr/>
-          <p:nvPr/>
-        </p:nvGrpSpPr>
-        <p:grpSpPr>
-          <a:xfrm>
-            <a:off x="1475689" y="10038360"/>
-            <a:ext cx="4214552" cy="630942"/>
-            <a:chOff x="1475689" y="10206917"/>
-            <a:chExt cx="4214552" cy="630942"/>
-          </a:xfrm>
-        </p:grpSpPr>
-        <p:sp>
-          <p:nvSpPr>
-            <p:cNvPr id="9" name="TextBox 8"/>
-            <p:cNvSpPr txBox="1"/>
-            <p:nvPr/>
-          </p:nvSpPr>
-          <p:spPr>
-            <a:xfrm>
-              <a:off x="1475689" y="10206917"/>
-              <a:ext cx="4214552" cy="630942"/>
-            </a:xfrm>
-            <a:prstGeom prst="rect">
-              <a:avLst/>
-            </a:prstGeom>
-            <a:noFill/>
-          </p:spPr>
-          <p:txBody>
-            <a:bodyPr wrap="none" rtlCol="0">
-              <a:spAutoFit/>
-            </a:bodyPr>
-            <a:lstStyle/>
-            <a:p>
-              <a:r>
-                <a:rPr lang="en-US" sz="3500" dirty="0"/>
-                <a:t>I already have a team!</a:t>
-              </a:r>
-            </a:p>
-          </p:txBody>
-        </p:sp>
-        <p:sp>
-          <p:nvSpPr>
-            <p:cNvPr id="12" name="Rectangle: Rounded Corners 11"/>
-            <p:cNvSpPr/>
-            <p:nvPr/>
-          </p:nvSpPr>
-          <p:spPr>
-            <a:xfrm>
-              <a:off x="1475689" y="10206917"/>
-              <a:ext cx="4214552" cy="630942"/>
-            </a:xfrm>
-            <a:prstGeom prst="roundRect">
-              <a:avLst/>
-            </a:prstGeom>
-            <a:noFill/>
-          </p:spPr>
-          <p:style>
-            <a:lnRef idx="2">
-              <a:schemeClr val="accent1">
-                <a:shade val="50000"/>
-              </a:schemeClr>
-            </a:lnRef>
-            <a:fillRef idx="1">
-              <a:schemeClr val="accent1"/>
-            </a:fillRef>
-            <a:effectRef idx="0">
-              <a:schemeClr val="accent1"/>
-            </a:effectRef>
-            <a:fontRef idx="minor">
-              <a:schemeClr val="lt1"/>
-            </a:fontRef>
-          </p:style>
-          <p:txBody>
-            <a:bodyPr rtlCol="0" anchor="ctr"/>
-            <a:lstStyle/>
-            <a:p>
-              <a:pPr algn="ctr"/>
-              <a:endParaRPr lang="en-US"/>
-            </a:p>
-          </p:txBody>
-        </p:sp>
-      </p:grpSp>
-      <p:sp>
-        <p:nvSpPr>
-          <p:cNvPr id="17" name="TextBox 16"/>
+      <p:sp>
+        <p:nvSpPr>
+          <p:cNvPr id="10" name="TextBox 9"/>
           <p:cNvSpPr txBox="1"/>
           <p:nvPr/>
         </p:nvSpPr>
         <p:spPr>
           <a:xfrm>
-            <a:off x="2286780" y="2312894"/>
-            <a:ext cx="2057936" cy="553998"/>
+            <a:off x="471692" y="3298078"/>
+            <a:ext cx="5834546" cy="477054"/>
           </a:xfrm>
           <a:prstGeom prst="rect">
             <a:avLst/>
@@ -3297,14 +5024,14 @@
           <a:noFill/>
         </p:spPr>
         <p:txBody>
-          <a:bodyPr wrap="none" rtlCol="0">
+          <a:bodyPr wrap="square" rtlCol="0">
             <a:spAutoFit/>
           </a:bodyPr>
           <a:lstStyle/>
           <a:p>
             <a:r>
-              <a:rPr lang="en-US" sz="3000" dirty="0"/>
-              <a:t>[event logo]</a:t>
+              <a:rPr lang="en-US" sz="2500" dirty="0"/>
+              <a:t>Maybe a team description </a:t>
             </a:r>
           </a:p>
         </p:txBody>
@@ -3312,407 +5039,7 @@
     </p:spTree>
     <p:extLst>
       <p:ext uri="{BB962C8B-B14F-4D97-AF65-F5344CB8AC3E}">
-        <p14:creationId xmlns:p14="http://schemas.microsoft.com/office/powerpoint/2010/main" val="3097567348"/>
-      </p:ext>
-    </p:extLst>
-  </p:cSld>
-  <p:clrMapOvr>
-    <a:masterClrMapping/>
-  </p:clrMapOvr>
-</p:sld>
-</file>
-
-<file path=ppt/slides/slide2.xml><?xml version="1.0" encoding="utf-8"?>
-<p:sld xmlns:a="http://schemas.openxmlformats.org/drawingml/2006/main" xmlns:r="http://schemas.openxmlformats.org/officeDocument/2006/relationships" xmlns:p="http://schemas.openxmlformats.org/presentationml/2006/main">
-  <p:cSld>
-    <p:spTree>
-      <p:nvGrpSpPr>
-        <p:cNvPr id="1" name=""/>
-        <p:cNvGrpSpPr/>
-        <p:nvPr/>
-      </p:nvGrpSpPr>
-      <p:grpSpPr>
-        <a:xfrm>
-          <a:off x="0" y="0"/>
-          <a:ext cx="0" cy="0"/>
-          <a:chOff x="0" y="0"/>
-          <a:chExt cx="0" cy="0"/>
-        </a:xfrm>
-      </p:grpSpPr>
-      <p:sp>
-        <p:nvSpPr>
-          <p:cNvPr id="4" name="TextBox 3"/>
-          <p:cNvSpPr txBox="1"/>
-          <p:nvPr/>
-        </p:nvSpPr>
-        <p:spPr>
-          <a:xfrm>
-            <a:off x="394447" y="1595717"/>
-            <a:ext cx="5396753" cy="573741"/>
-          </a:xfrm>
-          <a:prstGeom prst="rect">
-            <a:avLst/>
-          </a:prstGeom>
-          <a:noFill/>
-        </p:spPr>
-        <p:txBody>
-          <a:bodyPr wrap="square" rtlCol="0">
-            <a:spAutoFit/>
-          </a:bodyPr>
-          <a:lstStyle/>
-          <a:p>
-            <a:r>
-              <a:rPr lang="en-US" sz="3000" dirty="0"/>
-              <a:t>Tell us more about yourself!</a:t>
-            </a:r>
-          </a:p>
-        </p:txBody>
-      </p:sp>
-      <p:sp>
-        <p:nvSpPr>
-          <p:cNvPr id="5" name="TextBox 4"/>
-          <p:cNvSpPr txBox="1"/>
-          <p:nvPr/>
-        </p:nvSpPr>
-        <p:spPr>
-          <a:xfrm>
-            <a:off x="394447" y="3101788"/>
-            <a:ext cx="1305165" cy="553998"/>
-          </a:xfrm>
-          <a:prstGeom prst="rect">
-            <a:avLst/>
-          </a:prstGeom>
-          <a:noFill/>
-        </p:spPr>
-        <p:txBody>
-          <a:bodyPr wrap="none" rtlCol="0">
-            <a:spAutoFit/>
-          </a:bodyPr>
-          <a:lstStyle/>
-          <a:p>
-            <a:r>
-              <a:rPr lang="en-US" sz="3000" dirty="0"/>
-              <a:t>Name: </a:t>
-            </a:r>
-          </a:p>
-        </p:txBody>
-      </p:sp>
-      <p:sp>
-        <p:nvSpPr>
-          <p:cNvPr id="6" name="TextBox 5"/>
-          <p:cNvSpPr txBox="1"/>
-          <p:nvPr/>
-        </p:nvSpPr>
-        <p:spPr>
-          <a:xfrm>
-            <a:off x="394447" y="3655786"/>
-            <a:ext cx="1940788" cy="553998"/>
-          </a:xfrm>
-          <a:prstGeom prst="rect">
-            <a:avLst/>
-          </a:prstGeom>
-          <a:noFill/>
-        </p:spPr>
-        <p:txBody>
-          <a:bodyPr wrap="none" rtlCol="0">
-            <a:spAutoFit/>
-          </a:bodyPr>
-          <a:lstStyle/>
-          <a:p>
-            <a:r>
-              <a:rPr lang="en-US" sz="3000" dirty="0"/>
-              <a:t>University: </a:t>
-            </a:r>
-          </a:p>
-        </p:txBody>
-      </p:sp>
-      <p:sp>
-        <p:nvSpPr>
-          <p:cNvPr id="7" name="TextBox 6"/>
-          <p:cNvSpPr txBox="1"/>
-          <p:nvPr/>
-        </p:nvSpPr>
-        <p:spPr>
-          <a:xfrm>
-            <a:off x="401570" y="4209784"/>
-            <a:ext cx="7435625" cy="553998"/>
-          </a:xfrm>
-          <a:prstGeom prst="rect">
-            <a:avLst/>
-          </a:prstGeom>
-          <a:noFill/>
-        </p:spPr>
-        <p:txBody>
-          <a:bodyPr wrap="none" rtlCol="0">
-            <a:spAutoFit/>
-          </a:bodyPr>
-          <a:lstStyle/>
-          <a:p>
-            <a:r>
-              <a:rPr lang="en-US" sz="3000" dirty="0"/>
-              <a:t>Which coding languages are you familiar with?</a:t>
-            </a:r>
-          </a:p>
-        </p:txBody>
-      </p:sp>
-      <p:sp>
-        <p:nvSpPr>
-          <p:cNvPr id="8" name="TextBox 7"/>
-          <p:cNvSpPr txBox="1"/>
-          <p:nvPr/>
-        </p:nvSpPr>
-        <p:spPr>
-          <a:xfrm>
-            <a:off x="401570" y="4763782"/>
-            <a:ext cx="5389630" cy="4708981"/>
-          </a:xfrm>
-          <a:prstGeom prst="rect">
-            <a:avLst/>
-          </a:prstGeom>
-          <a:noFill/>
-        </p:spPr>
-        <p:txBody>
-          <a:bodyPr wrap="square" rtlCol="0">
-            <a:spAutoFit/>
-          </a:bodyPr>
-          <a:lstStyle/>
-          <a:p>
-            <a:r>
-              <a:rPr lang="en-US" sz="2000" dirty="0"/>
-              <a:t>Tick boxes: </a:t>
-            </a:r>
-          </a:p>
-          <a:p>
-            <a:endParaRPr lang="en-US" sz="2000" dirty="0"/>
-          </a:p>
-          <a:p>
-            <a:pPr marL="285750" indent="-285750">
-              <a:buFontTx/>
-              <a:buChar char="-"/>
-            </a:pPr>
-            <a:r>
-              <a:rPr lang="en-US" sz="2000" dirty="0"/>
-              <a:t>Java</a:t>
-            </a:r>
-          </a:p>
-          <a:p>
-            <a:pPr marL="285750" indent="-285750">
-              <a:buFontTx/>
-              <a:buChar char="-"/>
-            </a:pPr>
-            <a:r>
-              <a:rPr lang="en-US" sz="2000" dirty="0" err="1"/>
-              <a:t>Javascript</a:t>
-            </a:r>
-            <a:endParaRPr lang="en-US" sz="2000" dirty="0"/>
-          </a:p>
-          <a:p>
-            <a:pPr marL="285750" indent="-285750">
-              <a:buFontTx/>
-              <a:buChar char="-"/>
-            </a:pPr>
-            <a:r>
-              <a:rPr lang="en-US" sz="2000" dirty="0"/>
-              <a:t>SQL</a:t>
-            </a:r>
-          </a:p>
-          <a:p>
-            <a:pPr marL="285750" indent="-285750">
-              <a:buFontTx/>
-              <a:buChar char="-"/>
-            </a:pPr>
-            <a:r>
-              <a:rPr lang="en-US" sz="2000" dirty="0"/>
-              <a:t>PHP</a:t>
-            </a:r>
-          </a:p>
-          <a:p>
-            <a:pPr marL="285750" indent="-285750">
-              <a:buFontTx/>
-              <a:buChar char="-"/>
-            </a:pPr>
-            <a:r>
-              <a:rPr lang="en-US" sz="2000" dirty="0"/>
-              <a:t>C++</a:t>
-            </a:r>
-          </a:p>
-          <a:p>
-            <a:pPr marL="285750" indent="-285750">
-              <a:buFontTx/>
-              <a:buChar char="-"/>
-            </a:pPr>
-            <a:r>
-              <a:rPr lang="en-US" sz="2000" dirty="0"/>
-              <a:t>C#</a:t>
-            </a:r>
-          </a:p>
-          <a:p>
-            <a:pPr marL="285750" indent="-285750">
-              <a:buFontTx/>
-              <a:buChar char="-"/>
-            </a:pPr>
-            <a:r>
-              <a:rPr lang="en-US" sz="2000" dirty="0"/>
-              <a:t>C</a:t>
-            </a:r>
-          </a:p>
-          <a:p>
-            <a:pPr marL="285750" indent="-285750">
-              <a:buFontTx/>
-              <a:buChar char="-"/>
-            </a:pPr>
-            <a:r>
-              <a:rPr lang="en-US" sz="2000" dirty="0"/>
-              <a:t>Python</a:t>
-            </a:r>
-          </a:p>
-          <a:p>
-            <a:pPr marL="285750" indent="-285750">
-              <a:buFontTx/>
-              <a:buChar char="-"/>
-            </a:pPr>
-            <a:r>
-              <a:rPr lang="en-US" sz="2000" dirty="0"/>
-              <a:t>Ruby</a:t>
-            </a:r>
-          </a:p>
-          <a:p>
-            <a:r>
-              <a:rPr lang="en-US" sz="2000" dirty="0"/>
-              <a:t>*when you tick a box the level bar will appear:</a:t>
-            </a:r>
-          </a:p>
-          <a:p>
-            <a:pPr marL="285750" indent="-285750">
-              <a:buFontTx/>
-              <a:buChar char="-"/>
-            </a:pPr>
-            <a:endParaRPr lang="en-US" sz="2000" dirty="0"/>
-          </a:p>
-          <a:p>
-            <a:pPr marL="285750" indent="-285750">
-              <a:buFontTx/>
-              <a:buChar char="-"/>
-            </a:pPr>
-            <a:endParaRPr lang="en-US" sz="2000" dirty="0"/>
-          </a:p>
-          <a:p>
-            <a:pPr marL="285750" indent="-285750">
-              <a:buFontTx/>
-              <a:buChar char="-"/>
-            </a:pPr>
-            <a:endParaRPr lang="en-US" sz="2000" dirty="0"/>
-          </a:p>
-        </p:txBody>
-      </p:sp>
-      <p:sp>
-        <p:nvSpPr>
-          <p:cNvPr id="9" name="Rectangle 8"/>
-          <p:cNvSpPr/>
-          <p:nvPr/>
-        </p:nvSpPr>
-        <p:spPr>
-          <a:xfrm>
-            <a:off x="585927" y="8637974"/>
-            <a:ext cx="5513033" cy="319596"/>
-          </a:xfrm>
-          <a:prstGeom prst="rect">
-            <a:avLst/>
-          </a:prstGeom>
-          <a:noFill/>
-          <a:ln>
-            <a:solidFill>
-              <a:schemeClr val="accent1"/>
-            </a:solidFill>
-          </a:ln>
-        </p:spPr>
-        <p:style>
-          <a:lnRef idx="2">
-            <a:schemeClr val="accent1">
-              <a:shade val="50000"/>
-            </a:schemeClr>
-          </a:lnRef>
-          <a:fillRef idx="1">
-            <a:schemeClr val="accent1"/>
-          </a:fillRef>
-          <a:effectRef idx="0">
-            <a:schemeClr val="accent1"/>
-          </a:effectRef>
-          <a:fontRef idx="minor">
-            <a:schemeClr val="lt1"/>
-          </a:fontRef>
-        </p:style>
-        <p:txBody>
-          <a:bodyPr rtlCol="0" anchor="ctr"/>
-          <a:lstStyle/>
-          <a:p>
-            <a:pPr algn="ctr"/>
-            <a:endParaRPr lang="en-US"/>
-          </a:p>
-        </p:txBody>
-      </p:sp>
-      <p:sp>
-        <p:nvSpPr>
-          <p:cNvPr id="10" name="TextBox 9"/>
-          <p:cNvSpPr txBox="1"/>
-          <p:nvPr/>
-        </p:nvSpPr>
-        <p:spPr>
-          <a:xfrm>
-            <a:off x="206261" y="8957570"/>
-            <a:ext cx="1023037" cy="369332"/>
-          </a:xfrm>
-          <a:prstGeom prst="rect">
-            <a:avLst/>
-          </a:prstGeom>
-          <a:noFill/>
-        </p:spPr>
-        <p:txBody>
-          <a:bodyPr wrap="none" rtlCol="0">
-            <a:spAutoFit/>
-          </a:bodyPr>
-          <a:lstStyle/>
-          <a:p>
-            <a:r>
-              <a:rPr lang="en-US" dirty="0"/>
-              <a:t>beginner</a:t>
-            </a:r>
-          </a:p>
-        </p:txBody>
-      </p:sp>
-      <p:sp>
-        <p:nvSpPr>
-          <p:cNvPr id="11" name="TextBox 10"/>
-          <p:cNvSpPr txBox="1"/>
-          <p:nvPr/>
-        </p:nvSpPr>
-        <p:spPr>
-          <a:xfrm>
-            <a:off x="5553490" y="8957570"/>
-            <a:ext cx="1090940" cy="369332"/>
-          </a:xfrm>
-          <a:prstGeom prst="rect">
-            <a:avLst/>
-          </a:prstGeom>
-          <a:noFill/>
-        </p:spPr>
-        <p:txBody>
-          <a:bodyPr wrap="none" rtlCol="0">
-            <a:spAutoFit/>
-          </a:bodyPr>
-          <a:lstStyle/>
-          <a:p>
-            <a:r>
-              <a:rPr lang="en-US" dirty="0"/>
-              <a:t>proficient</a:t>
-            </a:r>
-          </a:p>
-        </p:txBody>
-      </p:sp>
-    </p:spTree>
-    <p:extLst>
-      <p:ext uri="{BB962C8B-B14F-4D97-AF65-F5344CB8AC3E}">
-        <p14:creationId xmlns:p14="http://schemas.microsoft.com/office/powerpoint/2010/main" val="3948321122"/>
+        <p14:creationId xmlns:p14="http://schemas.microsoft.com/office/powerpoint/2010/main" val="379315395"/>
       </p:ext>
     </p:extLst>
   </p:cSld>
@@ -3981,4 +5308,299 @@
     </a:ext>
   </a:extLst>
 </a:theme>
+</file>
+
+<file path=ppt/theme/theme2.xml><?xml version="1.0" encoding="utf-8"?>
+<a:theme xmlns:a="http://schemas.openxmlformats.org/drawingml/2006/main" name="Office Theme">
+  <a:themeElements>
+    <a:clrScheme name="Office">
+      <a:dk1>
+        <a:sysClr val="windowText" lastClr="000000"/>
+      </a:dk1>
+      <a:lt1>
+        <a:sysClr val="window" lastClr="FFFFFF"/>
+      </a:lt1>
+      <a:dk2>
+        <a:srgbClr val="44546A"/>
+      </a:dk2>
+      <a:lt2>
+        <a:srgbClr val="E7E6E6"/>
+      </a:lt2>
+      <a:accent1>
+        <a:srgbClr val="4472C4"/>
+      </a:accent1>
+      <a:accent2>
+        <a:srgbClr val="ED7D31"/>
+      </a:accent2>
+      <a:accent3>
+        <a:srgbClr val="A5A5A5"/>
+      </a:accent3>
+      <a:accent4>
+        <a:srgbClr val="FFC000"/>
+      </a:accent4>
+      <a:accent5>
+        <a:srgbClr val="5B9BD5"/>
+      </a:accent5>
+      <a:accent6>
+        <a:srgbClr val="70AD47"/>
+      </a:accent6>
+      <a:hlink>
+        <a:srgbClr val="0563C1"/>
+      </a:hlink>
+      <a:folHlink>
+        <a:srgbClr val="954F72"/>
+      </a:folHlink>
+    </a:clrScheme>
+    <a:fontScheme name="Office">
+      <a:majorFont>
+        <a:latin typeface="Calibri Light" panose="020F0302020204030204"/>
+        <a:ea typeface=""/>
+        <a:cs typeface=""/>
+        <a:font script="Jpan" typeface="游ゴシック Light"/>
+        <a:font script="Hang" typeface="맑은 고딕"/>
+        <a:font script="Hans" typeface="等线 Light"/>
+        <a:font script="Hant" typeface="新細明體"/>
+        <a:font script="Arab" typeface="Times New Roman"/>
+        <a:font script="Hebr" typeface="Times New Roman"/>
+        <a:font script="Thai" typeface="Angsana New"/>
+        <a:font script="Ethi" typeface="Nyala"/>
+        <a:font script="Beng" typeface="Vrinda"/>
+        <a:font script="Gujr" typeface="Shruti"/>
+        <a:font script="Khmr" typeface="MoolBoran"/>
+        <a:font script="Knda" typeface="Tunga"/>
+        <a:font script="Guru" typeface="Raavi"/>
+        <a:font script="Cans" typeface="Euphemia"/>
+        <a:font script="Cher" typeface="Plantagenet Cherokee"/>
+        <a:font script="Yiii" typeface="Microsoft Yi Baiti"/>
+        <a:font script="Tibt" typeface="Microsoft Himalaya"/>
+        <a:font script="Thaa" typeface="MV Boli"/>
+        <a:font script="Deva" typeface="Mangal"/>
+        <a:font script="Telu" typeface="Gautami"/>
+        <a:font script="Taml" typeface="Latha"/>
+        <a:font script="Syrc" typeface="Estrangelo Edessa"/>
+        <a:font script="Orya" typeface="Kalinga"/>
+        <a:font script="Mlym" typeface="Kartika"/>
+        <a:font script="Laoo" typeface="DokChampa"/>
+        <a:font script="Sinh" typeface="Iskoola Pota"/>
+        <a:font script="Mong" typeface="Mongolian Baiti"/>
+        <a:font script="Viet" typeface="Times New Roman"/>
+        <a:font script="Uigh" typeface="Microsoft Uighur"/>
+        <a:font script="Geor" typeface="Sylfaen"/>
+        <a:font script="Armn" typeface="Arial"/>
+        <a:font script="Bugi" typeface="Leelawadee UI"/>
+        <a:font script="Bopo" typeface="Microsoft JhengHei"/>
+        <a:font script="Java" typeface="Javanese Text"/>
+        <a:font script="Lisu" typeface="Segoe UI"/>
+        <a:font script="Mymr" typeface="Myanmar Text"/>
+        <a:font script="Nkoo" typeface="Ebrima"/>
+        <a:font script="Olck" typeface="Nirmala UI"/>
+        <a:font script="Osma" typeface="Ebrima"/>
+        <a:font script="Phag" typeface="Phagspa"/>
+        <a:font script="Syrn" typeface="Estrangelo Edessa"/>
+        <a:font script="Syrj" typeface="Estrangelo Edessa"/>
+        <a:font script="Syre" typeface="Estrangelo Edessa"/>
+        <a:font script="Sora" typeface="Nirmala UI"/>
+        <a:font script="Tale" typeface="Microsoft Tai Le"/>
+        <a:font script="Talu" typeface="Microsoft New Tai Lue"/>
+        <a:font script="Tfng" typeface="Ebrima"/>
+      </a:majorFont>
+      <a:minorFont>
+        <a:latin typeface="Calibri" panose="020F0502020204030204"/>
+        <a:ea typeface=""/>
+        <a:cs typeface=""/>
+        <a:font script="Jpan" typeface="游ゴシック"/>
+        <a:font script="Hang" typeface="맑은 고딕"/>
+        <a:font script="Hans" typeface="等线"/>
+        <a:font script="Hant" typeface="新細明體"/>
+        <a:font script="Arab" typeface="Arial"/>
+        <a:font script="Hebr" typeface="Arial"/>
+        <a:font script="Thai" typeface="Cordia New"/>
+        <a:font script="Ethi" typeface="Nyala"/>
+        <a:font script="Beng" typeface="Vrinda"/>
+        <a:font script="Gujr" typeface="Shruti"/>
+        <a:font script="Khmr" typeface="DaunPenh"/>
+        <a:font script="Knda" typeface="Tunga"/>
+        <a:font script="Guru" typeface="Raavi"/>
+        <a:font script="Cans" typeface="Euphemia"/>
+        <a:font script="Cher" typeface="Plantagenet Cherokee"/>
+        <a:font script="Yiii" typeface="Microsoft Yi Baiti"/>
+        <a:font script="Tibt" typeface="Microsoft Himalaya"/>
+        <a:font script="Thaa" typeface="MV Boli"/>
+        <a:font script="Deva" typeface="Mangal"/>
+        <a:font script="Telu" typeface="Gautami"/>
+        <a:font script="Taml" typeface="Latha"/>
+        <a:font script="Syrc" typeface="Estrangelo Edessa"/>
+        <a:font script="Orya" typeface="Kalinga"/>
+        <a:font script="Mlym" typeface="Kartika"/>
+        <a:font script="Laoo" typeface="DokChampa"/>
+        <a:font script="Sinh" typeface="Iskoola Pota"/>
+        <a:font script="Mong" typeface="Mongolian Baiti"/>
+        <a:font script="Viet" typeface="Arial"/>
+        <a:font script="Uigh" typeface="Microsoft Uighur"/>
+        <a:font script="Geor" typeface="Sylfaen"/>
+        <a:font script="Armn" typeface="Arial"/>
+        <a:font script="Bugi" typeface="Leelawadee UI"/>
+        <a:font script="Bopo" typeface="Microsoft JhengHei"/>
+        <a:font script="Java" typeface="Javanese Text"/>
+        <a:font script="Lisu" typeface="Segoe UI"/>
+        <a:font script="Mymr" typeface="Myanmar Text"/>
+        <a:font script="Nkoo" typeface="Ebrima"/>
+        <a:font script="Olck" typeface="Nirmala UI"/>
+        <a:font script="Osma" typeface="Ebrima"/>
+        <a:font script="Phag" typeface="Phagspa"/>
+        <a:font script="Syrn" typeface="Estrangelo Edessa"/>
+        <a:font script="Syrj" typeface="Estrangelo Edessa"/>
+        <a:font script="Syre" typeface="Estrangelo Edessa"/>
+        <a:font script="Sora" typeface="Nirmala UI"/>
+        <a:font script="Tale" typeface="Microsoft Tai Le"/>
+        <a:font script="Talu" typeface="Microsoft New Tai Lue"/>
+        <a:font script="Tfng" typeface="Ebrima"/>
+      </a:minorFont>
+    </a:fontScheme>
+    <a:fmtScheme name="Office">
+      <a:fillStyleLst>
+        <a:solidFill>
+          <a:schemeClr val="phClr"/>
+        </a:solidFill>
+        <a:gradFill rotWithShape="1">
+          <a:gsLst>
+            <a:gs pos="0">
+              <a:schemeClr val="phClr">
+                <a:lumMod val="110000"/>
+                <a:satMod val="105000"/>
+                <a:tint val="67000"/>
+              </a:schemeClr>
+            </a:gs>
+            <a:gs pos="50000">
+              <a:schemeClr val="phClr">
+                <a:lumMod val="105000"/>
+                <a:satMod val="103000"/>
+                <a:tint val="73000"/>
+              </a:schemeClr>
+            </a:gs>
+            <a:gs pos="100000">
+              <a:schemeClr val="phClr">
+                <a:lumMod val="105000"/>
+                <a:satMod val="109000"/>
+                <a:tint val="81000"/>
+              </a:schemeClr>
+            </a:gs>
+          </a:gsLst>
+          <a:lin ang="5400000" scaled="0"/>
+        </a:gradFill>
+        <a:gradFill rotWithShape="1">
+          <a:gsLst>
+            <a:gs pos="0">
+              <a:schemeClr val="phClr">
+                <a:satMod val="103000"/>
+                <a:lumMod val="102000"/>
+                <a:tint val="94000"/>
+              </a:schemeClr>
+            </a:gs>
+            <a:gs pos="50000">
+              <a:schemeClr val="phClr">
+                <a:satMod val="110000"/>
+                <a:lumMod val="100000"/>
+                <a:shade val="100000"/>
+              </a:schemeClr>
+            </a:gs>
+            <a:gs pos="100000">
+              <a:schemeClr val="phClr">
+                <a:lumMod val="99000"/>
+                <a:satMod val="120000"/>
+                <a:shade val="78000"/>
+              </a:schemeClr>
+            </a:gs>
+          </a:gsLst>
+          <a:lin ang="5400000" scaled="0"/>
+        </a:gradFill>
+      </a:fillStyleLst>
+      <a:lnStyleLst>
+        <a:ln w="6350" cap="flat" cmpd="sng" algn="ctr">
+          <a:solidFill>
+            <a:schemeClr val="phClr"/>
+          </a:solidFill>
+          <a:prstDash val="solid"/>
+          <a:miter lim="800000"/>
+        </a:ln>
+        <a:ln w="12700" cap="flat" cmpd="sng" algn="ctr">
+          <a:solidFill>
+            <a:schemeClr val="phClr"/>
+          </a:solidFill>
+          <a:prstDash val="solid"/>
+          <a:miter lim="800000"/>
+        </a:ln>
+        <a:ln w="19050" cap="flat" cmpd="sng" algn="ctr">
+          <a:solidFill>
+            <a:schemeClr val="phClr"/>
+          </a:solidFill>
+          <a:prstDash val="solid"/>
+          <a:miter lim="800000"/>
+        </a:ln>
+      </a:lnStyleLst>
+      <a:effectStyleLst>
+        <a:effectStyle>
+          <a:effectLst/>
+        </a:effectStyle>
+        <a:effectStyle>
+          <a:effectLst/>
+        </a:effectStyle>
+        <a:effectStyle>
+          <a:effectLst>
+            <a:outerShdw blurRad="57150" dist="19050" dir="5400000" algn="ctr" rotWithShape="0">
+              <a:srgbClr val="000000">
+                <a:alpha val="63000"/>
+              </a:srgbClr>
+            </a:outerShdw>
+          </a:effectLst>
+        </a:effectStyle>
+      </a:effectStyleLst>
+      <a:bgFillStyleLst>
+        <a:solidFill>
+          <a:schemeClr val="phClr"/>
+        </a:solidFill>
+        <a:solidFill>
+          <a:schemeClr val="phClr">
+            <a:tint val="95000"/>
+            <a:satMod val="170000"/>
+          </a:schemeClr>
+        </a:solidFill>
+        <a:gradFill rotWithShape="1">
+          <a:gsLst>
+            <a:gs pos="0">
+              <a:schemeClr val="phClr">
+                <a:tint val="93000"/>
+                <a:satMod val="150000"/>
+                <a:shade val="98000"/>
+                <a:lumMod val="102000"/>
+              </a:schemeClr>
+            </a:gs>
+            <a:gs pos="50000">
+              <a:schemeClr val="phClr">
+                <a:tint val="98000"/>
+                <a:satMod val="130000"/>
+                <a:shade val="90000"/>
+                <a:lumMod val="103000"/>
+              </a:schemeClr>
+            </a:gs>
+            <a:gs pos="100000">
+              <a:schemeClr val="phClr">
+                <a:shade val="63000"/>
+                <a:satMod val="120000"/>
+              </a:schemeClr>
+            </a:gs>
+          </a:gsLst>
+          <a:lin ang="5400000" scaled="0"/>
+        </a:gradFill>
+      </a:bgFillStyleLst>
+    </a:fmtScheme>
+  </a:themeElements>
+  <a:objectDefaults/>
+  <a:extraClrSchemeLst/>
+  <a:extLst>
+    <a:ext uri="{05A4C25C-085E-4340-85A3-A5531E510DB2}">
+      <thm15:themeFamily xmlns:thm15="http://schemas.microsoft.com/office/thememl/2012/main" name="Office Theme" id="{62F939B6-93AF-4DB8-9C6B-D6C7DFDC589F}" vid="{4A3C46E8-61CC-4603-A589-7422A47A8E4A}"/>
+    </a:ext>
+  </a:extLst>
+</a:theme>
 </file>